--- a/Week7/GA 4401 - Week 7.pptx
+++ b/Week7/GA 4401 - Week 7.pptx
@@ -220,7 +220,7 @@
           <a:p>
             <a:fld id="{C51137FB-1F23-4903-BF61-DAE95EC7730E}" type="datetimeFigureOut">
               <a:rPr lang="en-US" smtClean="0"/>
-              <a:t>5/17/2013</a:t>
+              <a:t>5/18/2013</a:t>
             </a:fld>
             <a:endParaRPr lang="en-US"/>
           </a:p>
@@ -385,7 +385,7 @@
           <a:p>
             <a:fld id="{86010C2D-2843-448C-B24C-59DEAD829361}" type="datetimeFigureOut">
               <a:rPr lang="en-US" smtClean="0"/>
-              <a:t>5/17/2013</a:t>
+              <a:t>5/18/2013</a:t>
             </a:fld>
             <a:endParaRPr lang="en-US"/>
           </a:p>
@@ -651,6 +651,2620 @@
     </a:lvl9pPr>
   </p:notesStyle>
 </p:notesMaster>
+</file>
+
+<file path=ppt/notesSlides/notesSlide1.xml><?xml version="1.0" encoding="utf-8"?>
+<p:notes xmlns:a="http://schemas.openxmlformats.org/drawingml/2006/main" xmlns:r="http://schemas.openxmlformats.org/officeDocument/2006/relationships" xmlns:p="http://schemas.openxmlformats.org/presentationml/2006/main">
+  <p:cSld>
+    <p:spTree>
+      <p:nvGrpSpPr>
+        <p:cNvPr id="1" name=""/>
+        <p:cNvGrpSpPr/>
+        <p:nvPr/>
+      </p:nvGrpSpPr>
+      <p:grpSpPr>
+        <a:xfrm>
+          <a:off x="0" y="0"/>
+          <a:ext cx="0" cy="0"/>
+          <a:chOff x="0" y="0"/>
+          <a:chExt cx="0" cy="0"/>
+        </a:xfrm>
+      </p:grpSpPr>
+      <p:sp>
+        <p:nvSpPr>
+          <p:cNvPr id="2" name="Slide Image Placeholder 1"/>
+          <p:cNvSpPr>
+            <a:spLocks noGrp="1" noRot="1" noChangeAspect="1"/>
+          </p:cNvSpPr>
+          <p:nvPr>
+            <p:ph type="sldImg"/>
+          </p:nvPr>
+        </p:nvSpPr>
+        <p:spPr/>
+      </p:sp>
+      <p:sp>
+        <p:nvSpPr>
+          <p:cNvPr id="3" name="Notes Placeholder 2"/>
+          <p:cNvSpPr>
+            <a:spLocks noGrp="1"/>
+          </p:cNvSpPr>
+          <p:nvPr>
+            <p:ph type="body" idx="1"/>
+          </p:nvPr>
+        </p:nvSpPr>
+        <p:spPr/>
+        <p:txBody>
+          <a:bodyPr/>
+          <a:lstStyle/>
+          <a:p>
+            <a:r>
+              <a:rPr lang="en-US" sz="1200" b="0" i="0" kern="1200" dirty="0" smtClean="0">
+                <a:solidFill>
+                  <a:schemeClr val="tx1"/>
+                </a:solidFill>
+                <a:effectLst/>
+                <a:latin typeface="+mn-lt"/>
+                <a:ea typeface="+mn-ea"/>
+                <a:cs typeface="+mn-cs"/>
+              </a:rPr>
+              <a:t>Rapid prototyping is more than just a useful tool in pre-production – it can be a way of life! This section will show how to set up and begin thinking like a rapid </a:t>
+            </a:r>
+            <a:r>
+              <a:rPr lang="en-US" sz="1200" b="0" i="0" kern="1200" dirty="0" err="1" smtClean="0">
+                <a:solidFill>
+                  <a:schemeClr val="tx1"/>
+                </a:solidFill>
+                <a:effectLst/>
+                <a:latin typeface="+mn-lt"/>
+                <a:ea typeface="+mn-ea"/>
+                <a:cs typeface="+mn-cs"/>
+              </a:rPr>
+              <a:t>prototyper</a:t>
+            </a:r>
+            <a:r>
+              <a:rPr lang="en-US" sz="1200" b="0" i="0" kern="1200" dirty="0" smtClean="0">
+                <a:solidFill>
+                  <a:schemeClr val="tx1"/>
+                </a:solidFill>
+                <a:effectLst/>
+                <a:latin typeface="+mn-lt"/>
+                <a:ea typeface="+mn-ea"/>
+                <a:cs typeface="+mn-cs"/>
+              </a:rPr>
+              <a:t>.</a:t>
+            </a:r>
+            <a:endParaRPr lang="en-US" dirty="0"/>
+          </a:p>
+        </p:txBody>
+      </p:sp>
+      <p:sp>
+        <p:nvSpPr>
+          <p:cNvPr id="4" name="Slide Number Placeholder 3"/>
+          <p:cNvSpPr>
+            <a:spLocks noGrp="1"/>
+          </p:cNvSpPr>
+          <p:nvPr>
+            <p:ph type="sldNum" sz="quarter" idx="10"/>
+          </p:nvPr>
+        </p:nvSpPr>
+        <p:spPr/>
+        <p:txBody>
+          <a:bodyPr/>
+          <a:lstStyle/>
+          <a:p>
+            <a:fld id="{B38369A6-1160-40F6-BDC3-89A04C863DF0}" type="slidenum">
+              <a:rPr lang="en-US" smtClean="0"/>
+              <a:t>2</a:t>
+            </a:fld>
+            <a:endParaRPr lang="en-US"/>
+          </a:p>
+        </p:txBody>
+      </p:sp>
+    </p:spTree>
+    <p:extLst>
+      <p:ext uri="{BB962C8B-B14F-4D97-AF65-F5344CB8AC3E}">
+        <p14:creationId xmlns:p14="http://schemas.microsoft.com/office/powerpoint/2010/main" val="2413521819"/>
+      </p:ext>
+    </p:extLst>
+  </p:cSld>
+  <p:clrMapOvr>
+    <a:masterClrMapping/>
+  </p:clrMapOvr>
+</p:notes>
+</file>
+
+<file path=ppt/notesSlides/notesSlide10.xml><?xml version="1.0" encoding="utf-8"?>
+<p:notes xmlns:a="http://schemas.openxmlformats.org/drawingml/2006/main" xmlns:r="http://schemas.openxmlformats.org/officeDocument/2006/relationships" xmlns:p="http://schemas.openxmlformats.org/presentationml/2006/main">
+  <p:cSld>
+    <p:spTree>
+      <p:nvGrpSpPr>
+        <p:cNvPr id="1" name=""/>
+        <p:cNvGrpSpPr/>
+        <p:nvPr/>
+      </p:nvGrpSpPr>
+      <p:grpSpPr>
+        <a:xfrm>
+          <a:off x="0" y="0"/>
+          <a:ext cx="0" cy="0"/>
+          <a:chOff x="0" y="0"/>
+          <a:chExt cx="0" cy="0"/>
+        </a:xfrm>
+      </p:grpSpPr>
+      <p:sp>
+        <p:nvSpPr>
+          <p:cNvPr id="2" name="Slide Image Placeholder 1"/>
+          <p:cNvSpPr>
+            <a:spLocks noGrp="1" noRot="1" noChangeAspect="1"/>
+          </p:cNvSpPr>
+          <p:nvPr>
+            <p:ph type="sldImg"/>
+          </p:nvPr>
+        </p:nvSpPr>
+        <p:spPr/>
+      </p:sp>
+      <p:sp>
+        <p:nvSpPr>
+          <p:cNvPr id="3" name="Notes Placeholder 2"/>
+          <p:cNvSpPr>
+            <a:spLocks noGrp="1"/>
+          </p:cNvSpPr>
+          <p:nvPr>
+            <p:ph type="body" idx="1"/>
+          </p:nvPr>
+        </p:nvSpPr>
+        <p:spPr/>
+        <p:txBody>
+          <a:bodyPr/>
+          <a:lstStyle/>
+          <a:p>
+            <a:r>
+              <a:rPr lang="en-US" dirty="0" smtClean="0"/>
+              <a:t>A strong mood</a:t>
+            </a:r>
+            <a:r>
+              <a:rPr lang="en-US" baseline="0" dirty="0" smtClean="0"/>
+              <a:t> and emotional feeling can be really helpful</a:t>
+            </a:r>
+            <a:endParaRPr lang="en-US" dirty="0"/>
+          </a:p>
+        </p:txBody>
+      </p:sp>
+      <p:sp>
+        <p:nvSpPr>
+          <p:cNvPr id="4" name="Slide Number Placeholder 3"/>
+          <p:cNvSpPr>
+            <a:spLocks noGrp="1"/>
+          </p:cNvSpPr>
+          <p:nvPr>
+            <p:ph type="sldNum" sz="quarter" idx="10"/>
+          </p:nvPr>
+        </p:nvSpPr>
+        <p:spPr/>
+        <p:txBody>
+          <a:bodyPr/>
+          <a:lstStyle/>
+          <a:p>
+            <a:fld id="{B38369A6-1160-40F6-BDC3-89A04C863DF0}" type="slidenum">
+              <a:rPr lang="en-US" smtClean="0"/>
+              <a:t>11</a:t>
+            </a:fld>
+            <a:endParaRPr lang="en-US"/>
+          </a:p>
+        </p:txBody>
+      </p:sp>
+    </p:spTree>
+    <p:extLst>
+      <p:ext uri="{BB962C8B-B14F-4D97-AF65-F5344CB8AC3E}">
+        <p14:creationId xmlns:p14="http://schemas.microsoft.com/office/powerpoint/2010/main" val="1784226429"/>
+      </p:ext>
+    </p:extLst>
+  </p:cSld>
+  <p:clrMapOvr>
+    <a:masterClrMapping/>
+  </p:clrMapOvr>
+</p:notes>
+</file>
+
+<file path=ppt/notesSlides/notesSlide11.xml><?xml version="1.0" encoding="utf-8"?>
+<p:notes xmlns:a="http://schemas.openxmlformats.org/drawingml/2006/main" xmlns:r="http://schemas.openxmlformats.org/officeDocument/2006/relationships" xmlns:p="http://schemas.openxmlformats.org/presentationml/2006/main">
+  <p:cSld>
+    <p:spTree>
+      <p:nvGrpSpPr>
+        <p:cNvPr id="1" name=""/>
+        <p:cNvGrpSpPr/>
+        <p:nvPr/>
+      </p:nvGrpSpPr>
+      <p:grpSpPr>
+        <a:xfrm>
+          <a:off x="0" y="0"/>
+          <a:ext cx="0" cy="0"/>
+          <a:chOff x="0" y="0"/>
+          <a:chExt cx="0" cy="0"/>
+        </a:xfrm>
+      </p:grpSpPr>
+      <p:sp>
+        <p:nvSpPr>
+          <p:cNvPr id="2" name="Slide Image Placeholder 1"/>
+          <p:cNvSpPr>
+            <a:spLocks noGrp="1" noRot="1" noChangeAspect="1"/>
+          </p:cNvSpPr>
+          <p:nvPr>
+            <p:ph type="sldImg"/>
+          </p:nvPr>
+        </p:nvSpPr>
+        <p:spPr/>
+      </p:sp>
+      <p:sp>
+        <p:nvSpPr>
+          <p:cNvPr id="3" name="Notes Placeholder 2"/>
+          <p:cNvSpPr>
+            <a:spLocks noGrp="1"/>
+          </p:cNvSpPr>
+          <p:nvPr>
+            <p:ph type="body" idx="1"/>
+          </p:nvPr>
+        </p:nvSpPr>
+        <p:spPr/>
+        <p:txBody>
+          <a:bodyPr/>
+          <a:lstStyle/>
+          <a:p>
+            <a:r>
+              <a:rPr lang="en-US" dirty="0" smtClean="0"/>
+              <a:t>Imagine your audience saying “Wow!’</a:t>
+            </a:r>
+          </a:p>
+          <a:p>
+            <a:r>
+              <a:rPr lang="en-US" dirty="0" smtClean="0"/>
+              <a:t>Thought</a:t>
+            </a:r>
+            <a:r>
+              <a:rPr lang="en-US" baseline="0" dirty="0" smtClean="0"/>
+              <a:t> experiments</a:t>
+            </a:r>
+          </a:p>
+          <a:p>
+            <a:r>
+              <a:rPr lang="en-US" baseline="0" dirty="0" smtClean="0"/>
+              <a:t>Paper prototypes</a:t>
+            </a:r>
+          </a:p>
+          <a:p>
+            <a:endParaRPr lang="en-US" dirty="0"/>
+          </a:p>
+        </p:txBody>
+      </p:sp>
+      <p:sp>
+        <p:nvSpPr>
+          <p:cNvPr id="4" name="Slide Number Placeholder 3"/>
+          <p:cNvSpPr>
+            <a:spLocks noGrp="1"/>
+          </p:cNvSpPr>
+          <p:nvPr>
+            <p:ph type="sldNum" sz="quarter" idx="10"/>
+          </p:nvPr>
+        </p:nvSpPr>
+        <p:spPr/>
+        <p:txBody>
+          <a:bodyPr/>
+          <a:lstStyle/>
+          <a:p>
+            <a:fld id="{B38369A6-1160-40F6-BDC3-89A04C863DF0}" type="slidenum">
+              <a:rPr lang="en-US" smtClean="0"/>
+              <a:t>12</a:t>
+            </a:fld>
+            <a:endParaRPr lang="en-US"/>
+          </a:p>
+        </p:txBody>
+      </p:sp>
+    </p:spTree>
+    <p:extLst>
+      <p:ext uri="{BB962C8B-B14F-4D97-AF65-F5344CB8AC3E}">
+        <p14:creationId xmlns:p14="http://schemas.microsoft.com/office/powerpoint/2010/main" val="3384493679"/>
+      </p:ext>
+    </p:extLst>
+  </p:cSld>
+  <p:clrMapOvr>
+    <a:masterClrMapping/>
+  </p:clrMapOvr>
+</p:notes>
+</file>
+
+<file path=ppt/notesSlides/notesSlide12.xml><?xml version="1.0" encoding="utf-8"?>
+<p:notes xmlns:a="http://schemas.openxmlformats.org/drawingml/2006/main" xmlns:r="http://schemas.openxmlformats.org/officeDocument/2006/relationships" xmlns:p="http://schemas.openxmlformats.org/presentationml/2006/main">
+  <p:cSld>
+    <p:spTree>
+      <p:nvGrpSpPr>
+        <p:cNvPr id="1" name=""/>
+        <p:cNvGrpSpPr/>
+        <p:nvPr/>
+      </p:nvGrpSpPr>
+      <p:grpSpPr>
+        <a:xfrm>
+          <a:off x="0" y="0"/>
+          <a:ext cx="0" cy="0"/>
+          <a:chOff x="0" y="0"/>
+          <a:chExt cx="0" cy="0"/>
+        </a:xfrm>
+      </p:grpSpPr>
+      <p:sp>
+        <p:nvSpPr>
+          <p:cNvPr id="2" name="Slide Image Placeholder 1"/>
+          <p:cNvSpPr>
+            <a:spLocks noGrp="1" noRot="1" noChangeAspect="1"/>
+          </p:cNvSpPr>
+          <p:nvPr>
+            <p:ph type="sldImg"/>
+          </p:nvPr>
+        </p:nvSpPr>
+        <p:spPr/>
+      </p:sp>
+      <p:sp>
+        <p:nvSpPr>
+          <p:cNvPr id="3" name="Notes Placeholder 2"/>
+          <p:cNvSpPr>
+            <a:spLocks noGrp="1"/>
+          </p:cNvSpPr>
+          <p:nvPr>
+            <p:ph type="body" idx="1"/>
+          </p:nvPr>
+        </p:nvSpPr>
+        <p:spPr/>
+        <p:txBody>
+          <a:bodyPr/>
+          <a:lstStyle/>
+          <a:p>
+            <a:r>
+              <a:rPr lang="en-US" dirty="0" smtClean="0"/>
+              <a:t>Start with the core mechanic first, without any goals or decisions</a:t>
+            </a:r>
+          </a:p>
+          <a:p>
+            <a:endParaRPr lang="en-US" dirty="0" smtClean="0"/>
+          </a:p>
+          <a:p>
+            <a:endParaRPr lang="en-US" dirty="0"/>
+          </a:p>
+        </p:txBody>
+      </p:sp>
+      <p:sp>
+        <p:nvSpPr>
+          <p:cNvPr id="4" name="Slide Number Placeholder 3"/>
+          <p:cNvSpPr>
+            <a:spLocks noGrp="1"/>
+          </p:cNvSpPr>
+          <p:nvPr>
+            <p:ph type="sldNum" sz="quarter" idx="10"/>
+          </p:nvPr>
+        </p:nvSpPr>
+        <p:spPr/>
+        <p:txBody>
+          <a:bodyPr/>
+          <a:lstStyle/>
+          <a:p>
+            <a:fld id="{B38369A6-1160-40F6-BDC3-89A04C863DF0}" type="slidenum">
+              <a:rPr lang="en-US" smtClean="0"/>
+              <a:t>14</a:t>
+            </a:fld>
+            <a:endParaRPr lang="en-US"/>
+          </a:p>
+        </p:txBody>
+      </p:sp>
+    </p:spTree>
+    <p:extLst>
+      <p:ext uri="{BB962C8B-B14F-4D97-AF65-F5344CB8AC3E}">
+        <p14:creationId xmlns:p14="http://schemas.microsoft.com/office/powerpoint/2010/main" val="4212163111"/>
+      </p:ext>
+    </p:extLst>
+  </p:cSld>
+  <p:clrMapOvr>
+    <a:masterClrMapping/>
+  </p:clrMapOvr>
+</p:notes>
+</file>
+
+<file path=ppt/notesSlides/notesSlide13.xml><?xml version="1.0" encoding="utf-8"?>
+<p:notes xmlns:a="http://schemas.openxmlformats.org/drawingml/2006/main" xmlns:r="http://schemas.openxmlformats.org/officeDocument/2006/relationships" xmlns:p="http://schemas.openxmlformats.org/presentationml/2006/main">
+  <p:cSld>
+    <p:spTree>
+      <p:nvGrpSpPr>
+        <p:cNvPr id="1" name=""/>
+        <p:cNvGrpSpPr/>
+        <p:nvPr/>
+      </p:nvGrpSpPr>
+      <p:grpSpPr>
+        <a:xfrm>
+          <a:off x="0" y="0"/>
+          <a:ext cx="0" cy="0"/>
+          <a:chOff x="0" y="0"/>
+          <a:chExt cx="0" cy="0"/>
+        </a:xfrm>
+      </p:grpSpPr>
+      <p:sp>
+        <p:nvSpPr>
+          <p:cNvPr id="2" name="Slide Image Placeholder 1"/>
+          <p:cNvSpPr>
+            <a:spLocks noGrp="1" noRot="1" noChangeAspect="1"/>
+          </p:cNvSpPr>
+          <p:nvPr>
+            <p:ph type="sldImg"/>
+          </p:nvPr>
+        </p:nvSpPr>
+        <p:spPr/>
+      </p:sp>
+      <p:sp>
+        <p:nvSpPr>
+          <p:cNvPr id="3" name="Notes Placeholder 2"/>
+          <p:cNvSpPr>
+            <a:spLocks noGrp="1"/>
+          </p:cNvSpPr>
+          <p:nvPr>
+            <p:ph type="body" idx="1"/>
+          </p:nvPr>
+        </p:nvSpPr>
+        <p:spPr/>
+        <p:txBody>
+          <a:bodyPr/>
+          <a:lstStyle/>
+          <a:p>
+            <a:r>
+              <a:rPr lang="en-US" dirty="0" smtClean="0"/>
+              <a:t>The correct solution is often not the</a:t>
+            </a:r>
+            <a:r>
+              <a:rPr lang="en-US" baseline="0" dirty="0" smtClean="0"/>
+              <a:t> best solution in prototyping</a:t>
+            </a:r>
+          </a:p>
+          <a:p>
+            <a:r>
+              <a:rPr lang="en-US" baseline="0" dirty="0" smtClean="0"/>
+              <a:t>Lighting/shadowing, </a:t>
+            </a:r>
+            <a:r>
+              <a:rPr lang="en-US" baseline="0" dirty="0" smtClean="0"/>
+              <a:t>pattern recognition, </a:t>
+            </a:r>
+            <a:r>
+              <a:rPr lang="en-US" baseline="0" dirty="0" smtClean="0"/>
+              <a:t>splines, </a:t>
+            </a:r>
+            <a:r>
+              <a:rPr lang="en-US" baseline="0" dirty="0" err="1" smtClean="0"/>
+              <a:t>etc</a:t>
+            </a:r>
+            <a:endParaRPr lang="en-US" baseline="0" dirty="0" smtClean="0"/>
+          </a:p>
+          <a:p>
+            <a:endParaRPr lang="en-US" dirty="0"/>
+          </a:p>
+        </p:txBody>
+      </p:sp>
+      <p:sp>
+        <p:nvSpPr>
+          <p:cNvPr id="4" name="Slide Number Placeholder 3"/>
+          <p:cNvSpPr>
+            <a:spLocks noGrp="1"/>
+          </p:cNvSpPr>
+          <p:nvPr>
+            <p:ph type="sldNum" sz="quarter" idx="10"/>
+          </p:nvPr>
+        </p:nvSpPr>
+        <p:spPr/>
+        <p:txBody>
+          <a:bodyPr/>
+          <a:lstStyle/>
+          <a:p>
+            <a:fld id="{B38369A6-1160-40F6-BDC3-89A04C863DF0}" type="slidenum">
+              <a:rPr lang="en-US" smtClean="0"/>
+              <a:t>15</a:t>
+            </a:fld>
+            <a:endParaRPr lang="en-US"/>
+          </a:p>
+        </p:txBody>
+      </p:sp>
+    </p:spTree>
+    <p:extLst>
+      <p:ext uri="{BB962C8B-B14F-4D97-AF65-F5344CB8AC3E}">
+        <p14:creationId xmlns:p14="http://schemas.microsoft.com/office/powerpoint/2010/main" val="1863014505"/>
+      </p:ext>
+    </p:extLst>
+  </p:cSld>
+  <p:clrMapOvr>
+    <a:masterClrMapping/>
+  </p:clrMapOvr>
+</p:notes>
+</file>
+
+<file path=ppt/notesSlides/notesSlide14.xml><?xml version="1.0" encoding="utf-8"?>
+<p:notes xmlns:a="http://schemas.openxmlformats.org/drawingml/2006/main" xmlns:r="http://schemas.openxmlformats.org/officeDocument/2006/relationships" xmlns:p="http://schemas.openxmlformats.org/presentationml/2006/main">
+  <p:cSld>
+    <p:spTree>
+      <p:nvGrpSpPr>
+        <p:cNvPr id="1" name=""/>
+        <p:cNvGrpSpPr/>
+        <p:nvPr/>
+      </p:nvGrpSpPr>
+      <p:grpSpPr>
+        <a:xfrm>
+          <a:off x="0" y="0"/>
+          <a:ext cx="0" cy="0"/>
+          <a:chOff x="0" y="0"/>
+          <a:chExt cx="0" cy="0"/>
+        </a:xfrm>
+      </p:grpSpPr>
+      <p:sp>
+        <p:nvSpPr>
+          <p:cNvPr id="2" name="Slide Image Placeholder 1"/>
+          <p:cNvSpPr>
+            <a:spLocks noGrp="1" noRot="1" noChangeAspect="1"/>
+          </p:cNvSpPr>
+          <p:nvPr>
+            <p:ph type="sldImg"/>
+          </p:nvPr>
+        </p:nvSpPr>
+        <p:spPr/>
+      </p:sp>
+      <p:sp>
+        <p:nvSpPr>
+          <p:cNvPr id="3" name="Notes Placeholder 2"/>
+          <p:cNvSpPr>
+            <a:spLocks noGrp="1"/>
+          </p:cNvSpPr>
+          <p:nvPr>
+            <p:ph type="body" idx="1"/>
+          </p:nvPr>
+        </p:nvSpPr>
+        <p:spPr/>
+        <p:txBody>
+          <a:bodyPr/>
+          <a:lstStyle/>
+          <a:p>
+            <a:r>
+              <a:rPr lang="en-US" dirty="0" smtClean="0"/>
+              <a:t>Realize when a game isn’t fun early, or else you’ll waste a bunch of time</a:t>
+            </a:r>
+            <a:endParaRPr lang="en-US" dirty="0"/>
+          </a:p>
+        </p:txBody>
+      </p:sp>
+      <p:sp>
+        <p:nvSpPr>
+          <p:cNvPr id="4" name="Slide Number Placeholder 3"/>
+          <p:cNvSpPr>
+            <a:spLocks noGrp="1"/>
+          </p:cNvSpPr>
+          <p:nvPr>
+            <p:ph type="sldNum" sz="quarter" idx="10"/>
+          </p:nvPr>
+        </p:nvSpPr>
+        <p:spPr/>
+        <p:txBody>
+          <a:bodyPr/>
+          <a:lstStyle/>
+          <a:p>
+            <a:fld id="{B38369A6-1160-40F6-BDC3-89A04C863DF0}" type="slidenum">
+              <a:rPr lang="en-US" smtClean="0"/>
+              <a:t>16</a:t>
+            </a:fld>
+            <a:endParaRPr lang="en-US"/>
+          </a:p>
+        </p:txBody>
+      </p:sp>
+    </p:spTree>
+    <p:extLst>
+      <p:ext uri="{BB962C8B-B14F-4D97-AF65-F5344CB8AC3E}">
+        <p14:creationId xmlns:p14="http://schemas.microsoft.com/office/powerpoint/2010/main" val="3210845177"/>
+      </p:ext>
+    </p:extLst>
+  </p:cSld>
+  <p:clrMapOvr>
+    <a:masterClrMapping/>
+  </p:clrMapOvr>
+</p:notes>
+</file>
+
+<file path=ppt/notesSlides/notesSlide15.xml><?xml version="1.0" encoding="utf-8"?>
+<p:notes xmlns:a="http://schemas.openxmlformats.org/drawingml/2006/main" xmlns:r="http://schemas.openxmlformats.org/officeDocument/2006/relationships" xmlns:p="http://schemas.openxmlformats.org/presentationml/2006/main">
+  <p:cSld>
+    <p:spTree>
+      <p:nvGrpSpPr>
+        <p:cNvPr id="1" name=""/>
+        <p:cNvGrpSpPr/>
+        <p:nvPr/>
+      </p:nvGrpSpPr>
+      <p:grpSpPr>
+        <a:xfrm>
+          <a:off x="0" y="0"/>
+          <a:ext cx="0" cy="0"/>
+          <a:chOff x="0" y="0"/>
+          <a:chExt cx="0" cy="0"/>
+        </a:xfrm>
+      </p:grpSpPr>
+      <p:sp>
+        <p:nvSpPr>
+          <p:cNvPr id="2" name="Slide Image Placeholder 1"/>
+          <p:cNvSpPr>
+            <a:spLocks noGrp="1" noRot="1" noChangeAspect="1"/>
+          </p:cNvSpPr>
+          <p:nvPr>
+            <p:ph type="sldImg"/>
+          </p:nvPr>
+        </p:nvSpPr>
+        <p:spPr/>
+      </p:sp>
+      <p:sp>
+        <p:nvSpPr>
+          <p:cNvPr id="3" name="Notes Placeholder 2"/>
+          <p:cNvSpPr>
+            <a:spLocks noGrp="1"/>
+          </p:cNvSpPr>
+          <p:nvPr>
+            <p:ph type="body" idx="1"/>
+          </p:nvPr>
+        </p:nvSpPr>
+        <p:spPr/>
+        <p:txBody>
+          <a:bodyPr/>
+          <a:lstStyle/>
+          <a:p>
+            <a:r>
+              <a:rPr lang="en-US" dirty="0" smtClean="0"/>
+              <a:t>Gamers are smarter</a:t>
+            </a:r>
+            <a:r>
+              <a:rPr lang="en-US" baseline="0" dirty="0" smtClean="0"/>
+              <a:t> than you think and can tell when you’re </a:t>
+            </a:r>
+            <a:r>
+              <a:rPr lang="en-US" baseline="0" dirty="0" err="1" smtClean="0"/>
+              <a:t>bs’ing</a:t>
+            </a:r>
+            <a:r>
+              <a:rPr lang="en-US" baseline="0" dirty="0" smtClean="0"/>
+              <a:t> them</a:t>
+            </a:r>
+            <a:endParaRPr lang="en-US" dirty="0"/>
+          </a:p>
+        </p:txBody>
+      </p:sp>
+      <p:sp>
+        <p:nvSpPr>
+          <p:cNvPr id="4" name="Slide Number Placeholder 3"/>
+          <p:cNvSpPr>
+            <a:spLocks noGrp="1"/>
+          </p:cNvSpPr>
+          <p:nvPr>
+            <p:ph type="sldNum" sz="quarter" idx="10"/>
+          </p:nvPr>
+        </p:nvSpPr>
+        <p:spPr/>
+        <p:txBody>
+          <a:bodyPr/>
+          <a:lstStyle/>
+          <a:p>
+            <a:fld id="{B38369A6-1160-40F6-BDC3-89A04C863DF0}" type="slidenum">
+              <a:rPr lang="en-US" smtClean="0"/>
+              <a:t>17</a:t>
+            </a:fld>
+            <a:endParaRPr lang="en-US"/>
+          </a:p>
+        </p:txBody>
+      </p:sp>
+    </p:spTree>
+    <p:extLst>
+      <p:ext uri="{BB962C8B-B14F-4D97-AF65-F5344CB8AC3E}">
+        <p14:creationId xmlns:p14="http://schemas.microsoft.com/office/powerpoint/2010/main" val="3642232123"/>
+      </p:ext>
+    </p:extLst>
+  </p:cSld>
+  <p:clrMapOvr>
+    <a:masterClrMapping/>
+  </p:clrMapOvr>
+</p:notes>
+</file>
+
+<file path=ppt/notesSlides/notesSlide16.xml><?xml version="1.0" encoding="utf-8"?>
+<p:notes xmlns:a="http://schemas.openxmlformats.org/drawingml/2006/main" xmlns:r="http://schemas.openxmlformats.org/officeDocument/2006/relationships" xmlns:p="http://schemas.openxmlformats.org/presentationml/2006/main">
+  <p:cSld>
+    <p:spTree>
+      <p:nvGrpSpPr>
+        <p:cNvPr id="1" name=""/>
+        <p:cNvGrpSpPr/>
+        <p:nvPr/>
+      </p:nvGrpSpPr>
+      <p:grpSpPr>
+        <a:xfrm>
+          <a:off x="0" y="0"/>
+          <a:ext cx="0" cy="0"/>
+          <a:chOff x="0" y="0"/>
+          <a:chExt cx="0" cy="0"/>
+        </a:xfrm>
+      </p:grpSpPr>
+      <p:sp>
+        <p:nvSpPr>
+          <p:cNvPr id="2" name="Slide Image Placeholder 1"/>
+          <p:cNvSpPr>
+            <a:spLocks noGrp="1" noRot="1" noChangeAspect="1"/>
+          </p:cNvSpPr>
+          <p:nvPr>
+            <p:ph type="sldImg"/>
+          </p:nvPr>
+        </p:nvSpPr>
+        <p:spPr/>
+      </p:sp>
+      <p:sp>
+        <p:nvSpPr>
+          <p:cNvPr id="3" name="Notes Placeholder 2"/>
+          <p:cNvSpPr>
+            <a:spLocks noGrp="1"/>
+          </p:cNvSpPr>
+          <p:nvPr>
+            <p:ph type="body" idx="1"/>
+          </p:nvPr>
+        </p:nvSpPr>
+        <p:spPr/>
+        <p:txBody>
+          <a:bodyPr/>
+          <a:lstStyle/>
+          <a:p>
+            <a:r>
+              <a:rPr lang="en-US" dirty="0" smtClean="0"/>
+              <a:t>Polishing</a:t>
+            </a:r>
+            <a:r>
+              <a:rPr lang="en-US" baseline="0" dirty="0" smtClean="0"/>
+              <a:t> an already fun mechanic as the ability to make a good game great.</a:t>
+            </a:r>
+          </a:p>
+          <a:p>
+            <a:r>
+              <a:rPr lang="en-US" baseline="0" dirty="0" smtClean="0"/>
+              <a:t>Doesn’t need fancy graphics, just needs to mesh well</a:t>
+            </a:r>
+            <a:endParaRPr lang="en-US" dirty="0"/>
+          </a:p>
+        </p:txBody>
+      </p:sp>
+      <p:sp>
+        <p:nvSpPr>
+          <p:cNvPr id="4" name="Slide Number Placeholder 3"/>
+          <p:cNvSpPr>
+            <a:spLocks noGrp="1"/>
+          </p:cNvSpPr>
+          <p:nvPr>
+            <p:ph type="sldNum" sz="quarter" idx="10"/>
+          </p:nvPr>
+        </p:nvSpPr>
+        <p:spPr/>
+        <p:txBody>
+          <a:bodyPr/>
+          <a:lstStyle/>
+          <a:p>
+            <a:fld id="{B38369A6-1160-40F6-BDC3-89A04C863DF0}" type="slidenum">
+              <a:rPr lang="en-US" smtClean="0"/>
+              <a:t>18</a:t>
+            </a:fld>
+            <a:endParaRPr lang="en-US"/>
+          </a:p>
+        </p:txBody>
+      </p:sp>
+    </p:spTree>
+    <p:extLst>
+      <p:ext uri="{BB962C8B-B14F-4D97-AF65-F5344CB8AC3E}">
+        <p14:creationId xmlns:p14="http://schemas.microsoft.com/office/powerpoint/2010/main" val="2662269515"/>
+      </p:ext>
+    </p:extLst>
+  </p:cSld>
+  <p:clrMapOvr>
+    <a:masterClrMapping/>
+  </p:clrMapOvr>
+</p:notes>
+</file>
+
+<file path=ppt/notesSlides/notesSlide17.xml><?xml version="1.0" encoding="utf-8"?>
+<p:notes xmlns:a="http://schemas.openxmlformats.org/drawingml/2006/main" xmlns:r="http://schemas.openxmlformats.org/officeDocument/2006/relationships" xmlns:p="http://schemas.openxmlformats.org/presentationml/2006/main">
+  <p:cSld>
+    <p:spTree>
+      <p:nvGrpSpPr>
+        <p:cNvPr id="1" name=""/>
+        <p:cNvGrpSpPr/>
+        <p:nvPr/>
+      </p:nvGrpSpPr>
+      <p:grpSpPr>
+        <a:xfrm>
+          <a:off x="0" y="0"/>
+          <a:ext cx="0" cy="0"/>
+          <a:chOff x="0" y="0"/>
+          <a:chExt cx="0" cy="0"/>
+        </a:xfrm>
+      </p:grpSpPr>
+      <p:sp>
+        <p:nvSpPr>
+          <p:cNvPr id="2" name="Slide Image Placeholder 1"/>
+          <p:cNvSpPr>
+            <a:spLocks noGrp="1" noRot="1" noChangeAspect="1"/>
+          </p:cNvSpPr>
+          <p:nvPr>
+            <p:ph type="sldImg"/>
+          </p:nvPr>
+        </p:nvSpPr>
+        <p:spPr/>
+      </p:sp>
+      <p:sp>
+        <p:nvSpPr>
+          <p:cNvPr id="3" name="Notes Placeholder 2"/>
+          <p:cNvSpPr>
+            <a:spLocks noGrp="1"/>
+          </p:cNvSpPr>
+          <p:nvPr>
+            <p:ph type="body" idx="1"/>
+          </p:nvPr>
+        </p:nvSpPr>
+        <p:spPr/>
+        <p:txBody>
+          <a:bodyPr/>
+          <a:lstStyle/>
+          <a:p>
+            <a:r>
+              <a:rPr lang="en-US" dirty="0" smtClean="0"/>
+              <a:t>Goal is</a:t>
+            </a:r>
+            <a:r>
+              <a:rPr lang="en-US" baseline="0" dirty="0" smtClean="0"/>
+              <a:t> to come up with several ways to solve something, and pick one.  Fast</a:t>
+            </a:r>
+            <a:endParaRPr lang="en-US" dirty="0"/>
+          </a:p>
+        </p:txBody>
+      </p:sp>
+      <p:sp>
+        <p:nvSpPr>
+          <p:cNvPr id="4" name="Slide Number Placeholder 3"/>
+          <p:cNvSpPr>
+            <a:spLocks noGrp="1"/>
+          </p:cNvSpPr>
+          <p:nvPr>
+            <p:ph type="sldNum" sz="quarter" idx="10"/>
+          </p:nvPr>
+        </p:nvSpPr>
+        <p:spPr/>
+        <p:txBody>
+          <a:bodyPr/>
+          <a:lstStyle/>
+          <a:p>
+            <a:fld id="{B38369A6-1160-40F6-BDC3-89A04C863DF0}" type="slidenum">
+              <a:rPr lang="en-US" smtClean="0"/>
+              <a:t>19</a:t>
+            </a:fld>
+            <a:endParaRPr lang="en-US"/>
+          </a:p>
+        </p:txBody>
+      </p:sp>
+    </p:spTree>
+    <p:extLst>
+      <p:ext uri="{BB962C8B-B14F-4D97-AF65-F5344CB8AC3E}">
+        <p14:creationId xmlns:p14="http://schemas.microsoft.com/office/powerpoint/2010/main" val="3258112258"/>
+      </p:ext>
+    </p:extLst>
+  </p:cSld>
+  <p:clrMapOvr>
+    <a:masterClrMapping/>
+  </p:clrMapOvr>
+</p:notes>
+</file>
+
+<file path=ppt/notesSlides/notesSlide18.xml><?xml version="1.0" encoding="utf-8"?>
+<p:notes xmlns:a="http://schemas.openxmlformats.org/drawingml/2006/main" xmlns:r="http://schemas.openxmlformats.org/officeDocument/2006/relationships" xmlns:p="http://schemas.openxmlformats.org/presentationml/2006/main">
+  <p:cSld>
+    <p:spTree>
+      <p:nvGrpSpPr>
+        <p:cNvPr id="1" name=""/>
+        <p:cNvGrpSpPr/>
+        <p:nvPr/>
+      </p:nvGrpSpPr>
+      <p:grpSpPr>
+        <a:xfrm>
+          <a:off x="0" y="0"/>
+          <a:ext cx="0" cy="0"/>
+          <a:chOff x="0" y="0"/>
+          <a:chExt cx="0" cy="0"/>
+        </a:xfrm>
+      </p:grpSpPr>
+      <p:sp>
+        <p:nvSpPr>
+          <p:cNvPr id="2" name="Slide Image Placeholder 1"/>
+          <p:cNvSpPr>
+            <a:spLocks noGrp="1" noRot="1" noChangeAspect="1"/>
+          </p:cNvSpPr>
+          <p:nvPr>
+            <p:ph type="sldImg"/>
+          </p:nvPr>
+        </p:nvSpPr>
+        <p:spPr/>
+      </p:sp>
+      <p:sp>
+        <p:nvSpPr>
+          <p:cNvPr id="3" name="Notes Placeholder 2"/>
+          <p:cNvSpPr>
+            <a:spLocks noGrp="1"/>
+          </p:cNvSpPr>
+          <p:nvPr>
+            <p:ph type="body" idx="1"/>
+          </p:nvPr>
+        </p:nvSpPr>
+        <p:spPr/>
+        <p:txBody>
+          <a:bodyPr/>
+          <a:lstStyle/>
+          <a:p>
+            <a:endParaRPr lang="en-US" dirty="0"/>
+          </a:p>
+        </p:txBody>
+      </p:sp>
+      <p:sp>
+        <p:nvSpPr>
+          <p:cNvPr id="4" name="Slide Number Placeholder 3"/>
+          <p:cNvSpPr>
+            <a:spLocks noGrp="1"/>
+          </p:cNvSpPr>
+          <p:nvPr>
+            <p:ph type="sldNum" sz="quarter" idx="10"/>
+          </p:nvPr>
+        </p:nvSpPr>
+        <p:spPr/>
+        <p:txBody>
+          <a:bodyPr/>
+          <a:lstStyle/>
+          <a:p>
+            <a:fld id="{B38369A6-1160-40F6-BDC3-89A04C863DF0}" type="slidenum">
+              <a:rPr lang="en-US" smtClean="0"/>
+              <a:t>20</a:t>
+            </a:fld>
+            <a:endParaRPr lang="en-US"/>
+          </a:p>
+        </p:txBody>
+      </p:sp>
+    </p:spTree>
+    <p:extLst>
+      <p:ext uri="{BB962C8B-B14F-4D97-AF65-F5344CB8AC3E}">
+        <p14:creationId xmlns:p14="http://schemas.microsoft.com/office/powerpoint/2010/main" val="783472171"/>
+      </p:ext>
+    </p:extLst>
+  </p:cSld>
+  <p:clrMapOvr>
+    <a:masterClrMapping/>
+  </p:clrMapOvr>
+</p:notes>
+</file>
+
+<file path=ppt/notesSlides/notesSlide19.xml><?xml version="1.0" encoding="utf-8"?>
+<p:notes xmlns:a="http://schemas.openxmlformats.org/drawingml/2006/main" xmlns:r="http://schemas.openxmlformats.org/officeDocument/2006/relationships" xmlns:p="http://schemas.openxmlformats.org/presentationml/2006/main">
+  <p:cSld>
+    <p:spTree>
+      <p:nvGrpSpPr>
+        <p:cNvPr id="1" name=""/>
+        <p:cNvGrpSpPr/>
+        <p:nvPr/>
+      </p:nvGrpSpPr>
+      <p:grpSpPr>
+        <a:xfrm>
+          <a:off x="0" y="0"/>
+          <a:ext cx="0" cy="0"/>
+          <a:chOff x="0" y="0"/>
+          <a:chExt cx="0" cy="0"/>
+        </a:xfrm>
+      </p:grpSpPr>
+      <p:sp>
+        <p:nvSpPr>
+          <p:cNvPr id="2" name="Slide Image Placeholder 1"/>
+          <p:cNvSpPr>
+            <a:spLocks noGrp="1" noRot="1" noChangeAspect="1"/>
+          </p:cNvSpPr>
+          <p:nvPr>
+            <p:ph type="sldImg"/>
+          </p:nvPr>
+        </p:nvSpPr>
+        <p:spPr/>
+      </p:sp>
+      <p:sp>
+        <p:nvSpPr>
+          <p:cNvPr id="3" name="Notes Placeholder 2"/>
+          <p:cNvSpPr>
+            <a:spLocks noGrp="1"/>
+          </p:cNvSpPr>
+          <p:nvPr>
+            <p:ph type="body" idx="1"/>
+          </p:nvPr>
+        </p:nvSpPr>
+        <p:spPr/>
+        <p:txBody>
+          <a:bodyPr/>
+          <a:lstStyle/>
+          <a:p>
+            <a:r>
+              <a:rPr lang="en-US" dirty="0" smtClean="0"/>
+              <a:t>Ball on</a:t>
+            </a:r>
+            <a:r>
+              <a:rPr lang="en-US" baseline="0" dirty="0" smtClean="0"/>
+              <a:t> a flat surface has been fun for centuries</a:t>
+            </a:r>
+            <a:endParaRPr lang="en-US" dirty="0" smtClean="0"/>
+          </a:p>
+          <a:p>
+            <a:r>
+              <a:rPr lang="en-US" dirty="0" smtClean="0"/>
+              <a:t>It’s entirely possible to have fun with basic concepts </a:t>
+            </a:r>
+            <a:r>
+              <a:rPr lang="en-US" dirty="0" err="1" smtClean="0"/>
+              <a:t>lke</a:t>
+            </a:r>
+            <a:r>
+              <a:rPr lang="en-US" dirty="0" smtClean="0"/>
+              <a:t> </a:t>
+            </a:r>
+            <a:r>
+              <a:rPr lang="en-US" dirty="0" err="1" smtClean="0"/>
+              <a:t>tetris</a:t>
+            </a:r>
+            <a:r>
+              <a:rPr lang="en-US" dirty="0" smtClean="0"/>
+              <a:t>, </a:t>
+            </a:r>
+            <a:r>
+              <a:rPr lang="en-US" dirty="0" err="1" smtClean="0"/>
+              <a:t>pac</a:t>
+            </a:r>
+            <a:r>
+              <a:rPr lang="en-US" dirty="0" smtClean="0"/>
+              <a:t>-man,</a:t>
+            </a:r>
+            <a:r>
+              <a:rPr lang="en-US" baseline="0" dirty="0" smtClean="0"/>
+              <a:t> etc.</a:t>
+            </a:r>
+          </a:p>
+          <a:p>
+            <a:r>
+              <a:rPr lang="en-US" baseline="0" dirty="0" smtClean="0"/>
+              <a:t>New technologies are cool, but aren’t necessary most of the time</a:t>
+            </a:r>
+          </a:p>
+          <a:p>
+            <a:endParaRPr lang="en-US" dirty="0"/>
+          </a:p>
+        </p:txBody>
+      </p:sp>
+      <p:sp>
+        <p:nvSpPr>
+          <p:cNvPr id="4" name="Slide Number Placeholder 3"/>
+          <p:cNvSpPr>
+            <a:spLocks noGrp="1"/>
+          </p:cNvSpPr>
+          <p:nvPr>
+            <p:ph type="sldNum" sz="quarter" idx="10"/>
+          </p:nvPr>
+        </p:nvSpPr>
+        <p:spPr/>
+        <p:txBody>
+          <a:bodyPr/>
+          <a:lstStyle/>
+          <a:p>
+            <a:fld id="{B38369A6-1160-40F6-BDC3-89A04C863DF0}" type="slidenum">
+              <a:rPr lang="en-US" smtClean="0"/>
+              <a:t>21</a:t>
+            </a:fld>
+            <a:endParaRPr lang="en-US"/>
+          </a:p>
+        </p:txBody>
+      </p:sp>
+    </p:spTree>
+    <p:extLst>
+      <p:ext uri="{BB962C8B-B14F-4D97-AF65-F5344CB8AC3E}">
+        <p14:creationId xmlns:p14="http://schemas.microsoft.com/office/powerpoint/2010/main" val="612444905"/>
+      </p:ext>
+    </p:extLst>
+  </p:cSld>
+  <p:clrMapOvr>
+    <a:masterClrMapping/>
+  </p:clrMapOvr>
+</p:notes>
+</file>
+
+<file path=ppt/notesSlides/notesSlide2.xml><?xml version="1.0" encoding="utf-8"?>
+<p:notes xmlns:a="http://schemas.openxmlformats.org/drawingml/2006/main" xmlns:r="http://schemas.openxmlformats.org/officeDocument/2006/relationships" xmlns:p="http://schemas.openxmlformats.org/presentationml/2006/main">
+  <p:cSld>
+    <p:spTree>
+      <p:nvGrpSpPr>
+        <p:cNvPr id="1" name=""/>
+        <p:cNvGrpSpPr/>
+        <p:nvPr/>
+      </p:nvGrpSpPr>
+      <p:grpSpPr>
+        <a:xfrm>
+          <a:off x="0" y="0"/>
+          <a:ext cx="0" cy="0"/>
+          <a:chOff x="0" y="0"/>
+          <a:chExt cx="0" cy="0"/>
+        </a:xfrm>
+      </p:grpSpPr>
+      <p:sp>
+        <p:nvSpPr>
+          <p:cNvPr id="2" name="Slide Image Placeholder 1"/>
+          <p:cNvSpPr>
+            <a:spLocks noGrp="1" noRot="1" noChangeAspect="1"/>
+          </p:cNvSpPr>
+          <p:nvPr>
+            <p:ph type="sldImg"/>
+          </p:nvPr>
+        </p:nvSpPr>
+        <p:spPr/>
+      </p:sp>
+      <p:sp>
+        <p:nvSpPr>
+          <p:cNvPr id="3" name="Notes Placeholder 2"/>
+          <p:cNvSpPr>
+            <a:spLocks noGrp="1"/>
+          </p:cNvSpPr>
+          <p:nvPr>
+            <p:ph type="body" idx="1"/>
+          </p:nvPr>
+        </p:nvSpPr>
+        <p:spPr/>
+        <p:txBody>
+          <a:bodyPr/>
+          <a:lstStyle/>
+          <a:p>
+            <a:r>
+              <a:rPr lang="en-US" sz="1200" b="0" i="0" kern="1200" dirty="0" smtClean="0">
+                <a:solidFill>
+                  <a:schemeClr val="tx1"/>
+                </a:solidFill>
+                <a:effectLst/>
+                <a:latin typeface="+mn-lt"/>
+                <a:ea typeface="+mn-ea"/>
+                <a:cs typeface="+mn-cs"/>
+              </a:rPr>
+              <a:t>Here's a crazy game idea: Drag trash-</a:t>
+            </a:r>
+            <a:r>
+              <a:rPr lang="en-US" sz="1200" b="0" i="0" kern="1200" dirty="0" err="1" smtClean="0">
+                <a:solidFill>
+                  <a:schemeClr val="tx1"/>
+                </a:solidFill>
+                <a:effectLst/>
+                <a:latin typeface="+mn-lt"/>
+                <a:ea typeface="+mn-ea"/>
+                <a:cs typeface="+mn-cs"/>
+              </a:rPr>
+              <a:t>talkin</a:t>
+            </a:r>
+            <a:r>
+              <a:rPr lang="en-US" sz="1200" b="0" i="0" kern="1200" dirty="0" smtClean="0">
+                <a:solidFill>
+                  <a:schemeClr val="tx1"/>
+                </a:solidFill>
+                <a:effectLst/>
+                <a:latin typeface="+mn-lt"/>
+                <a:ea typeface="+mn-ea"/>
+                <a:cs typeface="+mn-cs"/>
+              </a:rPr>
+              <a:t>' gobs of goo to build a giant tower higher and higher. They squirm and giggle and climb upward over the backs of their brothers, but be careful! A constant battle against gravity, if you build a tower that's too unstable, it will all fall down.</a:t>
+            </a:r>
+          </a:p>
+          <a:p>
+            <a:r>
+              <a:rPr lang="en-US" sz="1200" b="0" i="0" kern="1200" dirty="0" smtClean="0">
+                <a:solidFill>
+                  <a:schemeClr val="tx1"/>
+                </a:solidFill>
+                <a:effectLst/>
+                <a:latin typeface="+mn-lt"/>
+                <a:ea typeface="+mn-ea"/>
+                <a:cs typeface="+mn-cs"/>
+              </a:rPr>
+              <a:t>"Tower of Goo" was downloaded over 100,000 times within months of hitting the net, it was dubbed “Internet Game of the Month” in one magazine, it was demoed on G4 and at the Experimental Gameplay Workshop at GDC, and it was one of over fifty games we made as a part of the </a:t>
+            </a:r>
+            <a:r>
+              <a:rPr lang="en-US" sz="1200" b="0" i="0" u="none" strike="noStrike" kern="1200" dirty="0" smtClean="0">
+                <a:solidFill>
+                  <a:schemeClr val="tx1"/>
+                </a:solidFill>
+                <a:effectLst/>
+                <a:latin typeface="+mn-lt"/>
+                <a:ea typeface="+mn-ea"/>
+                <a:cs typeface="+mn-cs"/>
+                <a:hlinkClick r:id="rId3"/>
+              </a:rPr>
+              <a:t>Experimental Gameplay Project</a:t>
+            </a:r>
+            <a:r>
+              <a:rPr lang="en-US" sz="1200" b="0" i="0" kern="1200" dirty="0" smtClean="0">
+                <a:solidFill>
+                  <a:schemeClr val="tx1"/>
+                </a:solidFill>
+                <a:effectLst/>
+                <a:latin typeface="+mn-lt"/>
+                <a:ea typeface="+mn-ea"/>
+                <a:cs typeface="+mn-cs"/>
+              </a:rPr>
+              <a:t> at Carnegie Mellon's Entertainment Technology Center.</a:t>
+            </a:r>
+          </a:p>
+          <a:p>
+            <a:r>
+              <a:rPr lang="en-US" sz="1200" b="0" i="0" kern="1200" dirty="0" smtClean="0">
+                <a:solidFill>
+                  <a:schemeClr val="tx1"/>
+                </a:solidFill>
+                <a:effectLst/>
+                <a:latin typeface="+mn-lt"/>
+                <a:ea typeface="+mn-ea"/>
+                <a:cs typeface="+mn-cs"/>
+              </a:rPr>
+              <a:t>And like the rest of them, it was made in under a week, by one person.</a:t>
+            </a:r>
+          </a:p>
+          <a:p>
+            <a:r>
+              <a:rPr lang="en-US" sz="1200" b="0" i="0" kern="1200" dirty="0" smtClean="0">
+                <a:solidFill>
+                  <a:schemeClr val="tx1"/>
+                </a:solidFill>
+                <a:effectLst/>
+                <a:latin typeface="+mn-lt"/>
+                <a:ea typeface="+mn-ea"/>
+                <a:cs typeface="+mn-cs"/>
+              </a:rPr>
+              <a:t>The project started in Spring 2005 with the goal of discovering and rapidly prototyping as many new forms of gameplay as possible. A team of four grad students, we locked ourselves in a room for a semester with three rules:</a:t>
+            </a:r>
+          </a:p>
+          <a:p>
+            <a:r>
+              <a:rPr lang="en-US" dirty="0" smtClean="0"/>
+              <a:t>1. Each game must be made in less than seven days, </a:t>
+            </a:r>
+            <a:br>
+              <a:rPr lang="en-US" dirty="0" smtClean="0"/>
+            </a:br>
+            <a:r>
+              <a:rPr lang="en-US" dirty="0" smtClean="0"/>
+              <a:t>2. Each game must be made by exactly one person, </a:t>
+            </a:r>
+            <a:br>
+              <a:rPr lang="en-US" dirty="0" smtClean="0"/>
+            </a:br>
+            <a:r>
+              <a:rPr lang="en-US" dirty="0" smtClean="0"/>
+              <a:t>3. Each game must be based around a common theme i.e. "gravity", "vegetation", "swarms", etc.</a:t>
+            </a:r>
+          </a:p>
+          <a:p>
+            <a:r>
+              <a:rPr lang="en-US" dirty="0" smtClean="0"/>
+              <a:t/>
+            </a:r>
+            <a:br>
+              <a:rPr lang="en-US" dirty="0" smtClean="0"/>
+            </a:br>
+            <a:r>
+              <a:rPr lang="en-US" b="1" dirty="0" smtClean="0"/>
+              <a:t>"Tower of Goo" was downloaded over 100,000 times within months of hitting the net.</a:t>
+            </a:r>
+            <a:endParaRPr lang="en-US" dirty="0" smtClean="0"/>
+          </a:p>
+          <a:p>
+            <a:r>
+              <a:rPr lang="en-US" sz="1200" b="0" i="0" kern="1200" dirty="0" smtClean="0">
+                <a:solidFill>
+                  <a:schemeClr val="tx1"/>
+                </a:solidFill>
+                <a:effectLst/>
+                <a:latin typeface="+mn-lt"/>
+                <a:ea typeface="+mn-ea"/>
+                <a:cs typeface="+mn-cs"/>
+              </a:rPr>
+              <a:t>As the project progressed, we were amazed and thrilled with the onslaught of web traffic, with the attention from gaming magazines, and with industry professionals and academics all asking the same questions, "How are you making these games so quickly?" and "How can we do it too?"</a:t>
+            </a:r>
+          </a:p>
+          <a:p>
+            <a:r>
+              <a:rPr lang="en-US" sz="1200" b="0" i="0" kern="1200" dirty="0" smtClean="0">
+                <a:solidFill>
+                  <a:schemeClr val="tx1"/>
+                </a:solidFill>
+                <a:effectLst/>
+                <a:latin typeface="+mn-lt"/>
+                <a:ea typeface="+mn-ea"/>
+                <a:cs typeface="+mn-cs"/>
+              </a:rPr>
+              <a:t>We lay it all out here. Through the following tips, tricks, and examples, we will discuss the methods that worked and those that didn't. We will show you how to slip into a rapid prototyping state of mind, how to set up an effective team, and where to start if you've thought about making something new, but weren't sure how. We hope these well-tested guidelines come in useful for you and your next project, big or small!</a:t>
+            </a:r>
+          </a:p>
+          <a:p>
+            <a:r>
+              <a:rPr lang="en-US" sz="1200" b="0" i="0" kern="1200" dirty="0" smtClean="0">
+                <a:solidFill>
+                  <a:schemeClr val="tx1"/>
+                </a:solidFill>
+                <a:effectLst/>
+                <a:latin typeface="+mn-lt"/>
+                <a:ea typeface="+mn-ea"/>
+                <a:cs typeface="+mn-cs"/>
+              </a:rPr>
+              <a:t>For easy browsing, all tips and tricks are organized into four sections: Setup, Design, Development, and General Gameplay. Enjoy!</a:t>
+            </a:r>
+          </a:p>
+          <a:p>
+            <a:endParaRPr lang="en-US" dirty="0"/>
+          </a:p>
+        </p:txBody>
+      </p:sp>
+      <p:sp>
+        <p:nvSpPr>
+          <p:cNvPr id="4" name="Slide Number Placeholder 3"/>
+          <p:cNvSpPr>
+            <a:spLocks noGrp="1"/>
+          </p:cNvSpPr>
+          <p:nvPr>
+            <p:ph type="sldNum" sz="quarter" idx="10"/>
+          </p:nvPr>
+        </p:nvSpPr>
+        <p:spPr/>
+        <p:txBody>
+          <a:bodyPr/>
+          <a:lstStyle/>
+          <a:p>
+            <a:fld id="{B38369A6-1160-40F6-BDC3-89A04C863DF0}" type="slidenum">
+              <a:rPr lang="en-US" smtClean="0"/>
+              <a:t>3</a:t>
+            </a:fld>
+            <a:endParaRPr lang="en-US"/>
+          </a:p>
+        </p:txBody>
+      </p:sp>
+    </p:spTree>
+    <p:extLst>
+      <p:ext uri="{BB962C8B-B14F-4D97-AF65-F5344CB8AC3E}">
+        <p14:creationId xmlns:p14="http://schemas.microsoft.com/office/powerpoint/2010/main" val="3298597924"/>
+      </p:ext>
+    </p:extLst>
+  </p:cSld>
+  <p:clrMapOvr>
+    <a:masterClrMapping/>
+  </p:clrMapOvr>
+</p:notes>
+</file>
+
+<file path=ppt/notesSlides/notesSlide20.xml><?xml version="1.0" encoding="utf-8"?>
+<p:notes xmlns:a="http://schemas.openxmlformats.org/drawingml/2006/main" xmlns:r="http://schemas.openxmlformats.org/officeDocument/2006/relationships" xmlns:p="http://schemas.openxmlformats.org/presentationml/2006/main">
+  <p:cSld>
+    <p:spTree>
+      <p:nvGrpSpPr>
+        <p:cNvPr id="1" name=""/>
+        <p:cNvGrpSpPr/>
+        <p:nvPr/>
+      </p:nvGrpSpPr>
+      <p:grpSpPr>
+        <a:xfrm>
+          <a:off x="0" y="0"/>
+          <a:ext cx="0" cy="0"/>
+          <a:chOff x="0" y="0"/>
+          <a:chExt cx="0" cy="0"/>
+        </a:xfrm>
+      </p:grpSpPr>
+      <p:sp>
+        <p:nvSpPr>
+          <p:cNvPr id="2" name="Slide Image Placeholder 1"/>
+          <p:cNvSpPr>
+            <a:spLocks noGrp="1" noRot="1" noChangeAspect="1"/>
+          </p:cNvSpPr>
+          <p:nvPr>
+            <p:ph type="sldImg"/>
+          </p:nvPr>
+        </p:nvSpPr>
+        <p:spPr/>
+      </p:sp>
+      <p:sp>
+        <p:nvSpPr>
+          <p:cNvPr id="3" name="Notes Placeholder 2"/>
+          <p:cNvSpPr>
+            <a:spLocks noGrp="1"/>
+          </p:cNvSpPr>
+          <p:nvPr>
+            <p:ph type="body" idx="1"/>
+          </p:nvPr>
+        </p:nvSpPr>
+        <p:spPr/>
+        <p:txBody>
+          <a:bodyPr/>
+          <a:lstStyle/>
+          <a:p>
+            <a:r>
+              <a:rPr lang="en-US" dirty="0" smtClean="0"/>
+              <a:t>Creation or customization aspect appeals</a:t>
+            </a:r>
+            <a:r>
+              <a:rPr lang="en-US" baseline="0" dirty="0" smtClean="0"/>
+              <a:t> to the player</a:t>
+            </a:r>
+          </a:p>
+          <a:p>
+            <a:r>
+              <a:rPr lang="en-US" baseline="0" dirty="0" smtClean="0"/>
+              <a:t>IE: Cell phone wallpapers and character creation</a:t>
+            </a:r>
+            <a:endParaRPr lang="en-US" dirty="0"/>
+          </a:p>
+        </p:txBody>
+      </p:sp>
+      <p:sp>
+        <p:nvSpPr>
+          <p:cNvPr id="4" name="Slide Number Placeholder 3"/>
+          <p:cNvSpPr>
+            <a:spLocks noGrp="1"/>
+          </p:cNvSpPr>
+          <p:nvPr>
+            <p:ph type="sldNum" sz="quarter" idx="10"/>
+          </p:nvPr>
+        </p:nvSpPr>
+        <p:spPr/>
+        <p:txBody>
+          <a:bodyPr/>
+          <a:lstStyle/>
+          <a:p>
+            <a:fld id="{B38369A6-1160-40F6-BDC3-89A04C863DF0}" type="slidenum">
+              <a:rPr lang="en-US" smtClean="0"/>
+              <a:t>22</a:t>
+            </a:fld>
+            <a:endParaRPr lang="en-US"/>
+          </a:p>
+        </p:txBody>
+      </p:sp>
+    </p:spTree>
+    <p:extLst>
+      <p:ext uri="{BB962C8B-B14F-4D97-AF65-F5344CB8AC3E}">
+        <p14:creationId xmlns:p14="http://schemas.microsoft.com/office/powerpoint/2010/main" val="2743668549"/>
+      </p:ext>
+    </p:extLst>
+  </p:cSld>
+  <p:clrMapOvr>
+    <a:masterClrMapping/>
+  </p:clrMapOvr>
+</p:notes>
+</file>
+
+<file path=ppt/notesSlides/notesSlide21.xml><?xml version="1.0" encoding="utf-8"?>
+<p:notes xmlns:a="http://schemas.openxmlformats.org/drawingml/2006/main" xmlns:r="http://schemas.openxmlformats.org/officeDocument/2006/relationships" xmlns:p="http://schemas.openxmlformats.org/presentationml/2006/main">
+  <p:cSld>
+    <p:spTree>
+      <p:nvGrpSpPr>
+        <p:cNvPr id="1" name=""/>
+        <p:cNvGrpSpPr/>
+        <p:nvPr/>
+      </p:nvGrpSpPr>
+      <p:grpSpPr>
+        <a:xfrm>
+          <a:off x="0" y="0"/>
+          <a:ext cx="0" cy="0"/>
+          <a:chOff x="0" y="0"/>
+          <a:chExt cx="0" cy="0"/>
+        </a:xfrm>
+      </p:grpSpPr>
+      <p:sp>
+        <p:nvSpPr>
+          <p:cNvPr id="2" name="Slide Image Placeholder 1"/>
+          <p:cNvSpPr>
+            <a:spLocks noGrp="1" noRot="1" noChangeAspect="1"/>
+          </p:cNvSpPr>
+          <p:nvPr>
+            <p:ph type="sldImg"/>
+          </p:nvPr>
+        </p:nvSpPr>
+        <p:spPr/>
+      </p:sp>
+      <p:sp>
+        <p:nvSpPr>
+          <p:cNvPr id="3" name="Notes Placeholder 2"/>
+          <p:cNvSpPr>
+            <a:spLocks noGrp="1"/>
+          </p:cNvSpPr>
+          <p:nvPr>
+            <p:ph type="body" idx="1"/>
+          </p:nvPr>
+        </p:nvSpPr>
+        <p:spPr/>
+        <p:txBody>
+          <a:bodyPr/>
+          <a:lstStyle/>
+          <a:p>
+            <a:r>
+              <a:rPr lang="en-US" dirty="0" smtClean="0"/>
+              <a:t>Minimize confusion for first</a:t>
+            </a:r>
+            <a:r>
+              <a:rPr lang="en-US" baseline="0" dirty="0" smtClean="0"/>
+              <a:t> few minutes of gameplay</a:t>
+            </a:r>
+            <a:endParaRPr lang="en-US" dirty="0"/>
+          </a:p>
+        </p:txBody>
+      </p:sp>
+      <p:sp>
+        <p:nvSpPr>
+          <p:cNvPr id="4" name="Slide Number Placeholder 3"/>
+          <p:cNvSpPr>
+            <a:spLocks noGrp="1"/>
+          </p:cNvSpPr>
+          <p:nvPr>
+            <p:ph type="sldNum" sz="quarter" idx="10"/>
+          </p:nvPr>
+        </p:nvSpPr>
+        <p:spPr/>
+        <p:txBody>
+          <a:bodyPr/>
+          <a:lstStyle/>
+          <a:p>
+            <a:fld id="{B38369A6-1160-40F6-BDC3-89A04C863DF0}" type="slidenum">
+              <a:rPr lang="en-US" smtClean="0"/>
+              <a:t>23</a:t>
+            </a:fld>
+            <a:endParaRPr lang="en-US"/>
+          </a:p>
+        </p:txBody>
+      </p:sp>
+    </p:spTree>
+    <p:extLst>
+      <p:ext uri="{BB962C8B-B14F-4D97-AF65-F5344CB8AC3E}">
+        <p14:creationId xmlns:p14="http://schemas.microsoft.com/office/powerpoint/2010/main" val="2702401312"/>
+      </p:ext>
+    </p:extLst>
+  </p:cSld>
+  <p:clrMapOvr>
+    <a:masterClrMapping/>
+  </p:clrMapOvr>
+</p:notes>
+</file>
+
+<file path=ppt/notesSlides/notesSlide22.xml><?xml version="1.0" encoding="utf-8"?>
+<p:notes xmlns:a="http://schemas.openxmlformats.org/drawingml/2006/main" xmlns:r="http://schemas.openxmlformats.org/officeDocument/2006/relationships" xmlns:p="http://schemas.openxmlformats.org/presentationml/2006/main">
+  <p:cSld>
+    <p:spTree>
+      <p:nvGrpSpPr>
+        <p:cNvPr id="1" name=""/>
+        <p:cNvGrpSpPr/>
+        <p:nvPr/>
+      </p:nvGrpSpPr>
+      <p:grpSpPr>
+        <a:xfrm>
+          <a:off x="0" y="0"/>
+          <a:ext cx="0" cy="0"/>
+          <a:chOff x="0" y="0"/>
+          <a:chExt cx="0" cy="0"/>
+        </a:xfrm>
+      </p:grpSpPr>
+      <p:sp>
+        <p:nvSpPr>
+          <p:cNvPr id="2" name="Slide Image Placeholder 1"/>
+          <p:cNvSpPr>
+            <a:spLocks noGrp="1" noRot="1" noChangeAspect="1"/>
+          </p:cNvSpPr>
+          <p:nvPr>
+            <p:ph type="sldImg"/>
+          </p:nvPr>
+        </p:nvSpPr>
+        <p:spPr/>
+      </p:sp>
+      <p:sp>
+        <p:nvSpPr>
+          <p:cNvPr id="3" name="Notes Placeholder 2"/>
+          <p:cNvSpPr>
+            <a:spLocks noGrp="1"/>
+          </p:cNvSpPr>
+          <p:nvPr>
+            <p:ph type="body" idx="1"/>
+          </p:nvPr>
+        </p:nvSpPr>
+        <p:spPr/>
+        <p:txBody>
+          <a:bodyPr/>
+          <a:lstStyle/>
+          <a:p>
+            <a:r>
+              <a:rPr lang="en-US" dirty="0" smtClean="0"/>
+              <a:t>Some people enjoy having opportunities to fail</a:t>
+            </a:r>
+          </a:p>
+          <a:p>
+            <a:r>
+              <a:rPr lang="en-US" dirty="0" smtClean="0"/>
+              <a:t>It can be anything really</a:t>
+            </a:r>
+            <a:endParaRPr lang="en-US" dirty="0"/>
+          </a:p>
+        </p:txBody>
+      </p:sp>
+      <p:sp>
+        <p:nvSpPr>
+          <p:cNvPr id="4" name="Slide Number Placeholder 3"/>
+          <p:cNvSpPr>
+            <a:spLocks noGrp="1"/>
+          </p:cNvSpPr>
+          <p:nvPr>
+            <p:ph type="sldNum" sz="quarter" idx="10"/>
+          </p:nvPr>
+        </p:nvSpPr>
+        <p:spPr/>
+        <p:txBody>
+          <a:bodyPr/>
+          <a:lstStyle/>
+          <a:p>
+            <a:fld id="{B38369A6-1160-40F6-BDC3-89A04C863DF0}" type="slidenum">
+              <a:rPr lang="en-US" smtClean="0"/>
+              <a:t>24</a:t>
+            </a:fld>
+            <a:endParaRPr lang="en-US"/>
+          </a:p>
+        </p:txBody>
+      </p:sp>
+    </p:spTree>
+    <p:extLst>
+      <p:ext uri="{BB962C8B-B14F-4D97-AF65-F5344CB8AC3E}">
+        <p14:creationId xmlns:p14="http://schemas.microsoft.com/office/powerpoint/2010/main" val="1968060247"/>
+      </p:ext>
+    </p:extLst>
+  </p:cSld>
+  <p:clrMapOvr>
+    <a:masterClrMapping/>
+  </p:clrMapOvr>
+</p:notes>
+</file>
+
+<file path=ppt/notesSlides/notesSlide23.xml><?xml version="1.0" encoding="utf-8"?>
+<p:notes xmlns:a="http://schemas.openxmlformats.org/drawingml/2006/main" xmlns:r="http://schemas.openxmlformats.org/officeDocument/2006/relationships" xmlns:p="http://schemas.openxmlformats.org/presentationml/2006/main">
+  <p:cSld>
+    <p:spTree>
+      <p:nvGrpSpPr>
+        <p:cNvPr id="1" name=""/>
+        <p:cNvGrpSpPr/>
+        <p:nvPr/>
+      </p:nvGrpSpPr>
+      <p:grpSpPr>
+        <a:xfrm>
+          <a:off x="0" y="0"/>
+          <a:ext cx="0" cy="0"/>
+          <a:chOff x="0" y="0"/>
+          <a:chExt cx="0" cy="0"/>
+        </a:xfrm>
+      </p:grpSpPr>
+      <p:sp>
+        <p:nvSpPr>
+          <p:cNvPr id="2" name="Slide Image Placeholder 1"/>
+          <p:cNvSpPr>
+            <a:spLocks noGrp="1" noRot="1" noChangeAspect="1"/>
+          </p:cNvSpPr>
+          <p:nvPr>
+            <p:ph type="sldImg"/>
+          </p:nvPr>
+        </p:nvSpPr>
+        <p:spPr/>
+      </p:sp>
+      <p:sp>
+        <p:nvSpPr>
+          <p:cNvPr id="3" name="Notes Placeholder 2"/>
+          <p:cNvSpPr>
+            <a:spLocks noGrp="1"/>
+          </p:cNvSpPr>
+          <p:nvPr>
+            <p:ph type="body" idx="1"/>
+          </p:nvPr>
+        </p:nvSpPr>
+        <p:spPr/>
+        <p:txBody>
+          <a:bodyPr/>
+          <a:lstStyle/>
+          <a:p>
+            <a:r>
+              <a:rPr lang="en-US" sz="1200" b="0" i="0" kern="1200" dirty="0" smtClean="0">
+                <a:solidFill>
+                  <a:schemeClr val="tx1"/>
+                </a:solidFill>
+                <a:effectLst/>
+                <a:latin typeface="+mn-lt"/>
+                <a:ea typeface="+mn-ea"/>
+                <a:cs typeface="+mn-cs"/>
+              </a:rPr>
+              <a:t>“Juice” was our wet little term for constant and bountiful user feedback. A juicy game element will bounce and wiggle and squirt and make a little noise when you touch it. A juicy game feels alive and responds to everything you do – tons of cascading action and response for minimal user input. </a:t>
+            </a:r>
+            <a:r>
+              <a:rPr lang="en-US" sz="1200" b="0" i="0" kern="1200" smtClean="0">
+                <a:solidFill>
+                  <a:schemeClr val="tx1"/>
+                </a:solidFill>
+                <a:effectLst/>
+                <a:latin typeface="+mn-lt"/>
+                <a:ea typeface="+mn-ea"/>
+                <a:cs typeface="+mn-cs"/>
+              </a:rPr>
+              <a:t>It makes the player feel powerful and in control of the world, and it coaches them through the rules of the game by constantly letting them know on a per-interaction basis how they are doing.</a:t>
+            </a:r>
+          </a:p>
+          <a:p>
+            <a:endParaRPr lang="en-US" sz="1200" b="0" i="1" kern="1200" smtClean="0">
+              <a:solidFill>
+                <a:schemeClr val="tx1"/>
+              </a:solidFill>
+              <a:effectLst/>
+              <a:latin typeface="+mn-lt"/>
+              <a:ea typeface="+mn-ea"/>
+              <a:cs typeface="+mn-cs"/>
+            </a:endParaRPr>
+          </a:p>
+          <a:p>
+            <a:r>
+              <a:rPr lang="en-US" sz="1200" b="0" i="1" kern="1200" dirty="0" smtClean="0">
+                <a:solidFill>
+                  <a:schemeClr val="tx1"/>
+                </a:solidFill>
+                <a:effectLst/>
+                <a:latin typeface="+mn-lt"/>
+                <a:ea typeface="+mn-ea"/>
+                <a:cs typeface="+mn-cs"/>
+              </a:rPr>
+              <a:t>Alien Hominid</a:t>
+            </a:r>
+            <a:r>
+              <a:rPr lang="en-US" sz="1200" b="0" i="0" kern="1200" dirty="0" smtClean="0">
+                <a:solidFill>
+                  <a:schemeClr val="tx1"/>
+                </a:solidFill>
+                <a:effectLst/>
+                <a:latin typeface="+mn-lt"/>
+                <a:ea typeface="+mn-ea"/>
+                <a:cs typeface="+mn-cs"/>
+              </a:rPr>
+              <a:t> – enemies exploding and flinging blood to an almost unjustified extent</a:t>
+            </a:r>
+          </a:p>
+          <a:p>
+            <a:r>
+              <a:rPr lang="en-US" sz="1200" b="0" i="1" kern="1200" dirty="0" smtClean="0">
+                <a:solidFill>
+                  <a:schemeClr val="tx1"/>
+                </a:solidFill>
+                <a:effectLst/>
+                <a:latin typeface="+mn-lt"/>
+                <a:ea typeface="+mn-ea"/>
+                <a:cs typeface="+mn-cs"/>
+              </a:rPr>
+              <a:t>Mario Bros.</a:t>
+            </a:r>
+            <a:r>
+              <a:rPr lang="en-US" sz="1200" b="0" i="0" kern="1200" dirty="0" smtClean="0">
+                <a:solidFill>
+                  <a:schemeClr val="tx1"/>
+                </a:solidFill>
+                <a:effectLst/>
+                <a:latin typeface="+mn-lt"/>
+                <a:ea typeface="+mn-ea"/>
+                <a:cs typeface="+mn-cs"/>
+              </a:rPr>
+              <a:t> – bouncing through a room full of coins, </a:t>
+            </a:r>
+            <a:r>
+              <a:rPr lang="en-US" sz="1200" b="0" i="0" kern="1200" dirty="0" err="1" smtClean="0">
+                <a:solidFill>
+                  <a:schemeClr val="tx1"/>
+                </a:solidFill>
+                <a:effectLst/>
+                <a:latin typeface="+mn-lt"/>
+                <a:ea typeface="+mn-ea"/>
+                <a:cs typeface="+mn-cs"/>
+              </a:rPr>
+              <a:t>blinging</a:t>
+            </a:r>
+            <a:r>
+              <a:rPr lang="en-US" sz="1200" b="0" i="0" kern="1200" dirty="0" smtClean="0">
+                <a:solidFill>
+                  <a:schemeClr val="tx1"/>
+                </a:solidFill>
+                <a:effectLst/>
+                <a:latin typeface="+mn-lt"/>
+                <a:ea typeface="+mn-ea"/>
+                <a:cs typeface="+mn-cs"/>
+              </a:rPr>
+              <a:t> with satisfaction</a:t>
+            </a:r>
+          </a:p>
+          <a:p>
+            <a:r>
+              <a:rPr lang="en-US" sz="1200" b="0" i="0" kern="1200" dirty="0" smtClean="0">
+                <a:solidFill>
+                  <a:schemeClr val="tx1"/>
+                </a:solidFill>
+                <a:effectLst/>
+                <a:latin typeface="+mn-lt"/>
+                <a:ea typeface="+mn-ea"/>
+                <a:cs typeface="+mn-cs"/>
+              </a:rPr>
+              <a:t>Pachinko - a never-ending gush of balls all under your control</a:t>
+            </a:r>
+          </a:p>
+          <a:p>
+            <a:r>
+              <a:rPr lang="en-US" sz="1200" b="0" i="1" kern="1200" dirty="0" smtClean="0">
+                <a:solidFill>
+                  <a:schemeClr val="tx1"/>
+                </a:solidFill>
+                <a:effectLst/>
+                <a:latin typeface="+mn-lt"/>
+                <a:ea typeface="+mn-ea"/>
+                <a:cs typeface="+mn-cs"/>
+              </a:rPr>
+              <a:t>Super Puzzle Fighter II Turbo</a:t>
+            </a:r>
+            <a:r>
+              <a:rPr lang="en-US" sz="1200" b="0" i="0" kern="1200" dirty="0" smtClean="0">
+                <a:solidFill>
+                  <a:schemeClr val="tx1"/>
+                </a:solidFill>
+                <a:effectLst/>
+                <a:latin typeface="+mn-lt"/>
+                <a:ea typeface="+mn-ea"/>
+                <a:cs typeface="+mn-cs"/>
+              </a:rPr>
+              <a:t> – animation and sprites abound on multiple chains</a:t>
+            </a:r>
+          </a:p>
+          <a:p>
+            <a:endParaRPr lang="en-US" dirty="0"/>
+          </a:p>
+        </p:txBody>
+      </p:sp>
+      <p:sp>
+        <p:nvSpPr>
+          <p:cNvPr id="4" name="Slide Number Placeholder 3"/>
+          <p:cNvSpPr>
+            <a:spLocks noGrp="1"/>
+          </p:cNvSpPr>
+          <p:nvPr>
+            <p:ph type="sldNum" sz="quarter" idx="10"/>
+          </p:nvPr>
+        </p:nvSpPr>
+        <p:spPr/>
+        <p:txBody>
+          <a:bodyPr/>
+          <a:lstStyle/>
+          <a:p>
+            <a:fld id="{B38369A6-1160-40F6-BDC3-89A04C863DF0}" type="slidenum">
+              <a:rPr lang="en-US" smtClean="0"/>
+              <a:t>25</a:t>
+            </a:fld>
+            <a:endParaRPr lang="en-US"/>
+          </a:p>
+        </p:txBody>
+      </p:sp>
+    </p:spTree>
+    <p:extLst>
+      <p:ext uri="{BB962C8B-B14F-4D97-AF65-F5344CB8AC3E}">
+        <p14:creationId xmlns:p14="http://schemas.microsoft.com/office/powerpoint/2010/main" val="735098907"/>
+      </p:ext>
+    </p:extLst>
+  </p:cSld>
+  <p:clrMapOvr>
+    <a:masterClrMapping/>
+  </p:clrMapOvr>
+</p:notes>
+</file>
+
+<file path=ppt/notesSlides/notesSlide3.xml><?xml version="1.0" encoding="utf-8"?>
+<p:notes xmlns:a="http://schemas.openxmlformats.org/drawingml/2006/main" xmlns:r="http://schemas.openxmlformats.org/officeDocument/2006/relationships" xmlns:p="http://schemas.openxmlformats.org/presentationml/2006/main">
+  <p:cSld>
+    <p:spTree>
+      <p:nvGrpSpPr>
+        <p:cNvPr id="1" name=""/>
+        <p:cNvGrpSpPr/>
+        <p:nvPr/>
+      </p:nvGrpSpPr>
+      <p:grpSpPr>
+        <a:xfrm>
+          <a:off x="0" y="0"/>
+          <a:ext cx="0" cy="0"/>
+          <a:chOff x="0" y="0"/>
+          <a:chExt cx="0" cy="0"/>
+        </a:xfrm>
+      </p:grpSpPr>
+      <p:sp>
+        <p:nvSpPr>
+          <p:cNvPr id="2" name="Slide Image Placeholder 1"/>
+          <p:cNvSpPr>
+            <a:spLocks noGrp="1" noRot="1" noChangeAspect="1"/>
+          </p:cNvSpPr>
+          <p:nvPr>
+            <p:ph type="sldImg"/>
+          </p:nvPr>
+        </p:nvSpPr>
+        <p:spPr/>
+      </p:sp>
+      <p:sp>
+        <p:nvSpPr>
+          <p:cNvPr id="3" name="Notes Placeholder 2"/>
+          <p:cNvSpPr>
+            <a:spLocks noGrp="1"/>
+          </p:cNvSpPr>
+          <p:nvPr>
+            <p:ph type="body" idx="1"/>
+          </p:nvPr>
+        </p:nvSpPr>
+        <p:spPr/>
+        <p:txBody>
+          <a:bodyPr/>
+          <a:lstStyle/>
+          <a:p>
+            <a:r>
+              <a:rPr lang="en-US" sz="1200" b="0" i="0" kern="1200" dirty="0" smtClean="0">
+                <a:solidFill>
+                  <a:schemeClr val="tx1"/>
+                </a:solidFill>
+                <a:effectLst/>
+                <a:latin typeface="+mn-lt"/>
+                <a:ea typeface="+mn-ea"/>
+                <a:cs typeface="+mn-cs"/>
+              </a:rPr>
+              <a:t>Failure is ok!  Like going to a new restaurant instead of </a:t>
+            </a:r>
+            <a:r>
+              <a:rPr lang="en-US" sz="1200" b="0" i="0" kern="1200" dirty="0" err="1" smtClean="0">
+                <a:solidFill>
+                  <a:schemeClr val="tx1"/>
+                </a:solidFill>
+                <a:effectLst/>
+                <a:latin typeface="+mn-lt"/>
+                <a:ea typeface="+mn-ea"/>
+                <a:cs typeface="+mn-cs"/>
+              </a:rPr>
+              <a:t>mcdonalds</a:t>
+            </a:r>
+            <a:r>
+              <a:rPr lang="en-US" sz="1200" b="0" i="0" kern="1200" baseline="0" dirty="0" smtClean="0">
+                <a:solidFill>
+                  <a:schemeClr val="tx1"/>
+                </a:solidFill>
+                <a:effectLst/>
+                <a:latin typeface="+mn-lt"/>
+                <a:ea typeface="+mn-ea"/>
+                <a:cs typeface="+mn-cs"/>
+              </a:rPr>
+              <a:t> every time.  If you fail, there are dozens more chances!</a:t>
+            </a:r>
+            <a:endParaRPr lang="en-US" dirty="0"/>
+          </a:p>
+        </p:txBody>
+      </p:sp>
+      <p:sp>
+        <p:nvSpPr>
+          <p:cNvPr id="4" name="Slide Number Placeholder 3"/>
+          <p:cNvSpPr>
+            <a:spLocks noGrp="1"/>
+          </p:cNvSpPr>
+          <p:nvPr>
+            <p:ph type="sldNum" sz="quarter" idx="10"/>
+          </p:nvPr>
+        </p:nvSpPr>
+        <p:spPr/>
+        <p:txBody>
+          <a:bodyPr/>
+          <a:lstStyle/>
+          <a:p>
+            <a:fld id="{B38369A6-1160-40F6-BDC3-89A04C863DF0}" type="slidenum">
+              <a:rPr lang="en-US" smtClean="0"/>
+              <a:t>4</a:t>
+            </a:fld>
+            <a:endParaRPr lang="en-US"/>
+          </a:p>
+        </p:txBody>
+      </p:sp>
+    </p:spTree>
+    <p:extLst>
+      <p:ext uri="{BB962C8B-B14F-4D97-AF65-F5344CB8AC3E}">
+        <p14:creationId xmlns:p14="http://schemas.microsoft.com/office/powerpoint/2010/main" val="2473572251"/>
+      </p:ext>
+    </p:extLst>
+  </p:cSld>
+  <p:clrMapOvr>
+    <a:masterClrMapping/>
+  </p:clrMapOvr>
+</p:notes>
+</file>
+
+<file path=ppt/notesSlides/notesSlide4.xml><?xml version="1.0" encoding="utf-8"?>
+<p:notes xmlns:a="http://schemas.openxmlformats.org/drawingml/2006/main" xmlns:r="http://schemas.openxmlformats.org/officeDocument/2006/relationships" xmlns:p="http://schemas.openxmlformats.org/presentationml/2006/main">
+  <p:cSld>
+    <p:spTree>
+      <p:nvGrpSpPr>
+        <p:cNvPr id="1" name=""/>
+        <p:cNvGrpSpPr/>
+        <p:nvPr/>
+      </p:nvGrpSpPr>
+      <p:grpSpPr>
+        <a:xfrm>
+          <a:off x="0" y="0"/>
+          <a:ext cx="0" cy="0"/>
+          <a:chOff x="0" y="0"/>
+          <a:chExt cx="0" cy="0"/>
+        </a:xfrm>
+      </p:grpSpPr>
+      <p:sp>
+        <p:nvSpPr>
+          <p:cNvPr id="2" name="Slide Image Placeholder 1"/>
+          <p:cNvSpPr>
+            <a:spLocks noGrp="1" noRot="1" noChangeAspect="1"/>
+          </p:cNvSpPr>
+          <p:nvPr>
+            <p:ph type="sldImg"/>
+          </p:nvPr>
+        </p:nvSpPr>
+        <p:spPr/>
+      </p:sp>
+      <p:sp>
+        <p:nvSpPr>
+          <p:cNvPr id="3" name="Notes Placeholder 2"/>
+          <p:cNvSpPr>
+            <a:spLocks noGrp="1"/>
+          </p:cNvSpPr>
+          <p:nvPr>
+            <p:ph type="body" idx="1"/>
+          </p:nvPr>
+        </p:nvSpPr>
+        <p:spPr/>
+        <p:txBody>
+          <a:bodyPr/>
+          <a:lstStyle/>
+          <a:p>
+            <a:r>
+              <a:rPr lang="en-US" dirty="0" smtClean="0"/>
+              <a:t>Spending</a:t>
+            </a:r>
+            <a:r>
+              <a:rPr lang="en-US" baseline="0" dirty="0" smtClean="0"/>
+              <a:t> twice as long on a game doesn’t mean it’s twice as good. There isn’t really a correlation between spending more time on a game and better quality</a:t>
+            </a:r>
+            <a:endParaRPr lang="en-US" dirty="0"/>
+          </a:p>
+        </p:txBody>
+      </p:sp>
+      <p:sp>
+        <p:nvSpPr>
+          <p:cNvPr id="4" name="Slide Number Placeholder 3"/>
+          <p:cNvSpPr>
+            <a:spLocks noGrp="1"/>
+          </p:cNvSpPr>
+          <p:nvPr>
+            <p:ph type="sldNum" sz="quarter" idx="10"/>
+          </p:nvPr>
+        </p:nvSpPr>
+        <p:spPr/>
+        <p:txBody>
+          <a:bodyPr/>
+          <a:lstStyle/>
+          <a:p>
+            <a:fld id="{B38369A6-1160-40F6-BDC3-89A04C863DF0}" type="slidenum">
+              <a:rPr lang="en-US" smtClean="0"/>
+              <a:t>5</a:t>
+            </a:fld>
+            <a:endParaRPr lang="en-US"/>
+          </a:p>
+        </p:txBody>
+      </p:sp>
+    </p:spTree>
+    <p:extLst>
+      <p:ext uri="{BB962C8B-B14F-4D97-AF65-F5344CB8AC3E}">
+        <p14:creationId xmlns:p14="http://schemas.microsoft.com/office/powerpoint/2010/main" val="3123669370"/>
+      </p:ext>
+    </p:extLst>
+  </p:cSld>
+  <p:clrMapOvr>
+    <a:masterClrMapping/>
+  </p:clrMapOvr>
+</p:notes>
+</file>
+
+<file path=ppt/notesSlides/notesSlide5.xml><?xml version="1.0" encoding="utf-8"?>
+<p:notes xmlns:a="http://schemas.openxmlformats.org/drawingml/2006/main" xmlns:r="http://schemas.openxmlformats.org/officeDocument/2006/relationships" xmlns:p="http://schemas.openxmlformats.org/presentationml/2006/main">
+  <p:cSld>
+    <p:spTree>
+      <p:nvGrpSpPr>
+        <p:cNvPr id="1" name=""/>
+        <p:cNvGrpSpPr/>
+        <p:nvPr/>
+      </p:nvGrpSpPr>
+      <p:grpSpPr>
+        <a:xfrm>
+          <a:off x="0" y="0"/>
+          <a:ext cx="0" cy="0"/>
+          <a:chOff x="0" y="0"/>
+          <a:chExt cx="0" cy="0"/>
+        </a:xfrm>
+      </p:grpSpPr>
+      <p:sp>
+        <p:nvSpPr>
+          <p:cNvPr id="2" name="Slide Image Placeholder 1"/>
+          <p:cNvSpPr>
+            <a:spLocks noGrp="1" noRot="1" noChangeAspect="1"/>
+          </p:cNvSpPr>
+          <p:nvPr>
+            <p:ph type="sldImg"/>
+          </p:nvPr>
+        </p:nvSpPr>
+        <p:spPr/>
+      </p:sp>
+      <p:sp>
+        <p:nvSpPr>
+          <p:cNvPr id="3" name="Notes Placeholder 2"/>
+          <p:cNvSpPr>
+            <a:spLocks noGrp="1"/>
+          </p:cNvSpPr>
+          <p:nvPr>
+            <p:ph type="body" idx="1"/>
+          </p:nvPr>
+        </p:nvSpPr>
+        <p:spPr/>
+        <p:txBody>
+          <a:bodyPr/>
+          <a:lstStyle/>
+          <a:p>
+            <a:r>
+              <a:rPr lang="en-US" dirty="0" smtClean="0"/>
+              <a:t>Constraints help you be creative!</a:t>
+            </a:r>
+          </a:p>
+          <a:p>
+            <a:endParaRPr lang="en-US" dirty="0" smtClean="0"/>
+          </a:p>
+          <a:p>
+            <a:r>
+              <a:rPr lang="en-US" sz="1200" b="0" i="0" kern="1200" dirty="0" smtClean="0">
+                <a:solidFill>
+                  <a:schemeClr val="tx1"/>
+                </a:solidFill>
+                <a:effectLst/>
+                <a:latin typeface="+mn-lt"/>
+                <a:ea typeface="+mn-ea"/>
+                <a:cs typeface="+mn-cs"/>
+              </a:rPr>
+              <a:t>“gravity”, “springs”, “evolution”, “sound”, “predator and prey”, “addictive games”, “drawing”, “exponential growth”, “vegetation”, “balance”, and a few others individually.</a:t>
+            </a:r>
+            <a:endParaRPr lang="en-US" dirty="0"/>
+          </a:p>
+        </p:txBody>
+      </p:sp>
+      <p:sp>
+        <p:nvSpPr>
+          <p:cNvPr id="4" name="Slide Number Placeholder 3"/>
+          <p:cNvSpPr>
+            <a:spLocks noGrp="1"/>
+          </p:cNvSpPr>
+          <p:nvPr>
+            <p:ph type="sldNum" sz="quarter" idx="10"/>
+          </p:nvPr>
+        </p:nvSpPr>
+        <p:spPr/>
+        <p:txBody>
+          <a:bodyPr/>
+          <a:lstStyle/>
+          <a:p>
+            <a:fld id="{B38369A6-1160-40F6-BDC3-89A04C863DF0}" type="slidenum">
+              <a:rPr lang="en-US" smtClean="0"/>
+              <a:t>6</a:t>
+            </a:fld>
+            <a:endParaRPr lang="en-US"/>
+          </a:p>
+        </p:txBody>
+      </p:sp>
+    </p:spTree>
+    <p:extLst>
+      <p:ext uri="{BB962C8B-B14F-4D97-AF65-F5344CB8AC3E}">
+        <p14:creationId xmlns:p14="http://schemas.microsoft.com/office/powerpoint/2010/main" val="4130630002"/>
+      </p:ext>
+    </p:extLst>
+  </p:cSld>
+  <p:clrMapOvr>
+    <a:masterClrMapping/>
+  </p:clrMapOvr>
+</p:notes>
+</file>
+
+<file path=ppt/notesSlides/notesSlide6.xml><?xml version="1.0" encoding="utf-8"?>
+<p:notes xmlns:a="http://schemas.openxmlformats.org/drawingml/2006/main" xmlns:r="http://schemas.openxmlformats.org/officeDocument/2006/relationships" xmlns:p="http://schemas.openxmlformats.org/presentationml/2006/main">
+  <p:cSld>
+    <p:spTree>
+      <p:nvGrpSpPr>
+        <p:cNvPr id="1" name=""/>
+        <p:cNvGrpSpPr/>
+        <p:nvPr/>
+      </p:nvGrpSpPr>
+      <p:grpSpPr>
+        <a:xfrm>
+          <a:off x="0" y="0"/>
+          <a:ext cx="0" cy="0"/>
+          <a:chOff x="0" y="0"/>
+          <a:chExt cx="0" cy="0"/>
+        </a:xfrm>
+      </p:grpSpPr>
+      <p:sp>
+        <p:nvSpPr>
+          <p:cNvPr id="2" name="Slide Image Placeholder 1"/>
+          <p:cNvSpPr>
+            <a:spLocks noGrp="1" noRot="1" noChangeAspect="1"/>
+          </p:cNvSpPr>
+          <p:nvPr>
+            <p:ph type="sldImg"/>
+          </p:nvPr>
+        </p:nvSpPr>
+        <p:spPr/>
+      </p:sp>
+      <p:sp>
+        <p:nvSpPr>
+          <p:cNvPr id="3" name="Notes Placeholder 2"/>
+          <p:cNvSpPr>
+            <a:spLocks noGrp="1"/>
+          </p:cNvSpPr>
+          <p:nvPr>
+            <p:ph type="body" idx="1"/>
+          </p:nvPr>
+        </p:nvSpPr>
+        <p:spPr/>
+        <p:txBody>
+          <a:bodyPr/>
+          <a:lstStyle/>
+          <a:p>
+            <a:r>
+              <a:rPr lang="en-US" dirty="0" smtClean="0"/>
+              <a:t>Design is paramount, even though you’re responsible for everything</a:t>
+            </a:r>
+            <a:endParaRPr lang="en-US" dirty="0"/>
+          </a:p>
+        </p:txBody>
+      </p:sp>
+      <p:sp>
+        <p:nvSpPr>
+          <p:cNvPr id="4" name="Slide Number Placeholder 3"/>
+          <p:cNvSpPr>
+            <a:spLocks noGrp="1"/>
+          </p:cNvSpPr>
+          <p:nvPr>
+            <p:ph type="sldNum" sz="quarter" idx="10"/>
+          </p:nvPr>
+        </p:nvSpPr>
+        <p:spPr/>
+        <p:txBody>
+          <a:bodyPr/>
+          <a:lstStyle/>
+          <a:p>
+            <a:fld id="{B38369A6-1160-40F6-BDC3-89A04C863DF0}" type="slidenum">
+              <a:rPr lang="en-US" smtClean="0"/>
+              <a:t>7</a:t>
+            </a:fld>
+            <a:endParaRPr lang="en-US"/>
+          </a:p>
+        </p:txBody>
+      </p:sp>
+    </p:spTree>
+    <p:extLst>
+      <p:ext uri="{BB962C8B-B14F-4D97-AF65-F5344CB8AC3E}">
+        <p14:creationId xmlns:p14="http://schemas.microsoft.com/office/powerpoint/2010/main" val="1488752871"/>
+      </p:ext>
+    </p:extLst>
+  </p:cSld>
+  <p:clrMapOvr>
+    <a:masterClrMapping/>
+  </p:clrMapOvr>
+</p:notes>
+</file>
+
+<file path=ppt/notesSlides/notesSlide7.xml><?xml version="1.0" encoding="utf-8"?>
+<p:notes xmlns:a="http://schemas.openxmlformats.org/drawingml/2006/main" xmlns:r="http://schemas.openxmlformats.org/officeDocument/2006/relationships" xmlns:p="http://schemas.openxmlformats.org/presentationml/2006/main">
+  <p:cSld>
+    <p:spTree>
+      <p:nvGrpSpPr>
+        <p:cNvPr id="1" name=""/>
+        <p:cNvGrpSpPr/>
+        <p:nvPr/>
+      </p:nvGrpSpPr>
+      <p:grpSpPr>
+        <a:xfrm>
+          <a:off x="0" y="0"/>
+          <a:ext cx="0" cy="0"/>
+          <a:chOff x="0" y="0"/>
+          <a:chExt cx="0" cy="0"/>
+        </a:xfrm>
+      </p:grpSpPr>
+      <p:sp>
+        <p:nvSpPr>
+          <p:cNvPr id="2" name="Slide Image Placeholder 1"/>
+          <p:cNvSpPr>
+            <a:spLocks noGrp="1" noRot="1" noChangeAspect="1"/>
+          </p:cNvSpPr>
+          <p:nvPr>
+            <p:ph type="sldImg"/>
+          </p:nvPr>
+        </p:nvSpPr>
+        <p:spPr/>
+      </p:sp>
+      <p:sp>
+        <p:nvSpPr>
+          <p:cNvPr id="3" name="Notes Placeholder 2"/>
+          <p:cNvSpPr>
+            <a:spLocks noGrp="1"/>
+          </p:cNvSpPr>
+          <p:nvPr>
+            <p:ph type="body" idx="1"/>
+          </p:nvPr>
+        </p:nvSpPr>
+        <p:spPr/>
+        <p:txBody>
+          <a:bodyPr/>
+          <a:lstStyle/>
+          <a:p>
+            <a:r>
+              <a:rPr lang="en-US" dirty="0" smtClean="0"/>
+              <a:t>The Graph</a:t>
+            </a:r>
+          </a:p>
+          <a:p>
+            <a:r>
+              <a:rPr lang="en-US" dirty="0" smtClean="0"/>
+              <a:t>Risk mitigation</a:t>
+            </a:r>
+          </a:p>
+          <a:p>
+            <a:r>
+              <a:rPr lang="en-US" dirty="0" smtClean="0"/>
+              <a:t>Friendly competition</a:t>
+            </a:r>
+          </a:p>
+          <a:p>
+            <a:r>
+              <a:rPr lang="en-US" dirty="0" smtClean="0"/>
+              <a:t>Wider</a:t>
+            </a:r>
+            <a:r>
+              <a:rPr lang="en-US" baseline="0" dirty="0" smtClean="0"/>
+              <a:t> thematic exploration</a:t>
+            </a:r>
+          </a:p>
+          <a:p>
+            <a:r>
+              <a:rPr lang="en-US" baseline="0" dirty="0" smtClean="0"/>
+              <a:t>Sharing and caring</a:t>
+            </a:r>
+          </a:p>
+          <a:p>
+            <a:endParaRPr lang="en-US" baseline="0" dirty="0" smtClean="0"/>
+          </a:p>
+        </p:txBody>
+      </p:sp>
+      <p:sp>
+        <p:nvSpPr>
+          <p:cNvPr id="4" name="Slide Number Placeholder 3"/>
+          <p:cNvSpPr>
+            <a:spLocks noGrp="1"/>
+          </p:cNvSpPr>
+          <p:nvPr>
+            <p:ph type="sldNum" sz="quarter" idx="10"/>
+          </p:nvPr>
+        </p:nvSpPr>
+        <p:spPr/>
+        <p:txBody>
+          <a:bodyPr/>
+          <a:lstStyle/>
+          <a:p>
+            <a:fld id="{B38369A6-1160-40F6-BDC3-89A04C863DF0}" type="slidenum">
+              <a:rPr lang="en-US" smtClean="0"/>
+              <a:t>8</a:t>
+            </a:fld>
+            <a:endParaRPr lang="en-US"/>
+          </a:p>
+        </p:txBody>
+      </p:sp>
+    </p:spTree>
+    <p:extLst>
+      <p:ext uri="{BB962C8B-B14F-4D97-AF65-F5344CB8AC3E}">
+        <p14:creationId xmlns:p14="http://schemas.microsoft.com/office/powerpoint/2010/main" val="1277369429"/>
+      </p:ext>
+    </p:extLst>
+  </p:cSld>
+  <p:clrMapOvr>
+    <a:masterClrMapping/>
+  </p:clrMapOvr>
+</p:notes>
+</file>
+
+<file path=ppt/notesSlides/notesSlide8.xml><?xml version="1.0" encoding="utf-8"?>
+<p:notes xmlns:a="http://schemas.openxmlformats.org/drawingml/2006/main" xmlns:r="http://schemas.openxmlformats.org/officeDocument/2006/relationships" xmlns:p="http://schemas.openxmlformats.org/presentationml/2006/main">
+  <p:cSld>
+    <p:spTree>
+      <p:nvGrpSpPr>
+        <p:cNvPr id="1" name=""/>
+        <p:cNvGrpSpPr/>
+        <p:nvPr/>
+      </p:nvGrpSpPr>
+      <p:grpSpPr>
+        <a:xfrm>
+          <a:off x="0" y="0"/>
+          <a:ext cx="0" cy="0"/>
+          <a:chOff x="0" y="0"/>
+          <a:chExt cx="0" cy="0"/>
+        </a:xfrm>
+      </p:grpSpPr>
+      <p:sp>
+        <p:nvSpPr>
+          <p:cNvPr id="2" name="Slide Image Placeholder 1"/>
+          <p:cNvSpPr>
+            <a:spLocks noGrp="1" noRot="1" noChangeAspect="1"/>
+          </p:cNvSpPr>
+          <p:nvPr>
+            <p:ph type="sldImg"/>
+          </p:nvPr>
+        </p:nvSpPr>
+        <p:spPr/>
+      </p:sp>
+      <p:sp>
+        <p:nvSpPr>
+          <p:cNvPr id="3" name="Notes Placeholder 2"/>
+          <p:cNvSpPr>
+            <a:spLocks noGrp="1"/>
+          </p:cNvSpPr>
+          <p:nvPr>
+            <p:ph type="body" idx="1"/>
+          </p:nvPr>
+        </p:nvSpPr>
+        <p:spPr/>
+        <p:txBody>
+          <a:bodyPr/>
+          <a:lstStyle/>
+          <a:p>
+            <a:r>
+              <a:rPr lang="en-US" dirty="0" smtClean="0"/>
+              <a:t>Can’t force creative ideas</a:t>
+            </a:r>
+            <a:r>
+              <a:rPr lang="en-US" baseline="0" dirty="0" smtClean="0"/>
+              <a:t> out.</a:t>
+            </a:r>
+            <a:endParaRPr lang="en-US" dirty="0"/>
+          </a:p>
+        </p:txBody>
+      </p:sp>
+      <p:sp>
+        <p:nvSpPr>
+          <p:cNvPr id="4" name="Slide Number Placeholder 3"/>
+          <p:cNvSpPr>
+            <a:spLocks noGrp="1"/>
+          </p:cNvSpPr>
+          <p:nvPr>
+            <p:ph type="sldNum" sz="quarter" idx="10"/>
+          </p:nvPr>
+        </p:nvSpPr>
+        <p:spPr/>
+        <p:txBody>
+          <a:bodyPr/>
+          <a:lstStyle/>
+          <a:p>
+            <a:fld id="{B38369A6-1160-40F6-BDC3-89A04C863DF0}" type="slidenum">
+              <a:rPr lang="en-US" smtClean="0"/>
+              <a:t>9</a:t>
+            </a:fld>
+            <a:endParaRPr lang="en-US"/>
+          </a:p>
+        </p:txBody>
+      </p:sp>
+    </p:spTree>
+    <p:extLst>
+      <p:ext uri="{BB962C8B-B14F-4D97-AF65-F5344CB8AC3E}">
+        <p14:creationId xmlns:p14="http://schemas.microsoft.com/office/powerpoint/2010/main" val="2694768485"/>
+      </p:ext>
+    </p:extLst>
+  </p:cSld>
+  <p:clrMapOvr>
+    <a:masterClrMapping/>
+  </p:clrMapOvr>
+</p:notes>
+</file>
+
+<file path=ppt/notesSlides/notesSlide9.xml><?xml version="1.0" encoding="utf-8"?>
+<p:notes xmlns:a="http://schemas.openxmlformats.org/drawingml/2006/main" xmlns:r="http://schemas.openxmlformats.org/officeDocument/2006/relationships" xmlns:p="http://schemas.openxmlformats.org/presentationml/2006/main">
+  <p:cSld>
+    <p:spTree>
+      <p:nvGrpSpPr>
+        <p:cNvPr id="1" name=""/>
+        <p:cNvGrpSpPr/>
+        <p:nvPr/>
+      </p:nvGrpSpPr>
+      <p:grpSpPr>
+        <a:xfrm>
+          <a:off x="0" y="0"/>
+          <a:ext cx="0" cy="0"/>
+          <a:chOff x="0" y="0"/>
+          <a:chExt cx="0" cy="0"/>
+        </a:xfrm>
+      </p:grpSpPr>
+      <p:sp>
+        <p:nvSpPr>
+          <p:cNvPr id="2" name="Slide Image Placeholder 1"/>
+          <p:cNvSpPr>
+            <a:spLocks noGrp="1" noRot="1" noChangeAspect="1"/>
+          </p:cNvSpPr>
+          <p:nvPr>
+            <p:ph type="sldImg"/>
+          </p:nvPr>
+        </p:nvSpPr>
+        <p:spPr/>
+      </p:sp>
+      <p:sp>
+        <p:nvSpPr>
+          <p:cNvPr id="3" name="Notes Placeholder 2"/>
+          <p:cNvSpPr>
+            <a:spLocks noGrp="1"/>
+          </p:cNvSpPr>
+          <p:nvPr>
+            <p:ph type="body" idx="1"/>
+          </p:nvPr>
+        </p:nvSpPr>
+        <p:spPr/>
+        <p:txBody>
+          <a:bodyPr/>
+          <a:lstStyle/>
+          <a:p>
+            <a:r>
+              <a:rPr lang="en-US" dirty="0" smtClean="0"/>
+              <a:t>The best</a:t>
+            </a:r>
+            <a:r>
+              <a:rPr lang="en-US" baseline="0" dirty="0" smtClean="0"/>
+              <a:t> ideas come when you least expect them</a:t>
+            </a:r>
+            <a:endParaRPr lang="en-US" dirty="0"/>
+          </a:p>
+        </p:txBody>
+      </p:sp>
+      <p:sp>
+        <p:nvSpPr>
+          <p:cNvPr id="4" name="Slide Number Placeholder 3"/>
+          <p:cNvSpPr>
+            <a:spLocks noGrp="1"/>
+          </p:cNvSpPr>
+          <p:nvPr>
+            <p:ph type="sldNum" sz="quarter" idx="10"/>
+          </p:nvPr>
+        </p:nvSpPr>
+        <p:spPr/>
+        <p:txBody>
+          <a:bodyPr/>
+          <a:lstStyle/>
+          <a:p>
+            <a:fld id="{B38369A6-1160-40F6-BDC3-89A04C863DF0}" type="slidenum">
+              <a:rPr lang="en-US" smtClean="0"/>
+              <a:t>10</a:t>
+            </a:fld>
+            <a:endParaRPr lang="en-US"/>
+          </a:p>
+        </p:txBody>
+      </p:sp>
+    </p:spTree>
+    <p:extLst>
+      <p:ext uri="{BB962C8B-B14F-4D97-AF65-F5344CB8AC3E}">
+        <p14:creationId xmlns:p14="http://schemas.microsoft.com/office/powerpoint/2010/main" val="1574958498"/>
+      </p:ext>
+    </p:extLst>
+  </p:cSld>
+  <p:clrMapOvr>
+    <a:masterClrMapping/>
+  </p:clrMapOvr>
+</p:notes>
 </file>
 
 <file path=ppt/slideLayouts/slideLayout1.xml><?xml version="1.0" encoding="utf-8"?>
@@ -1062,7 +3676,7 @@
           <a:p>
             <a:fld id="{C4BDA1B5-B47C-4A0E-AC7D-24948CCE723B}" type="datetimeFigureOut">
               <a:rPr lang="en-US" smtClean="0"/>
-              <a:t>5/17/2013</a:t>
+              <a:t>5/18/2013</a:t>
             </a:fld>
             <a:endParaRPr lang="en-US"/>
           </a:p>
@@ -1396,7 +4010,7 @@
           <a:p>
             <a:fld id="{C4BDA1B5-B47C-4A0E-AC7D-24948CCE723B}" type="datetimeFigureOut">
               <a:rPr lang="en-US" smtClean="0"/>
-              <a:t>5/17/2013</a:t>
+              <a:t>5/18/2013</a:t>
             </a:fld>
             <a:endParaRPr lang="en-US"/>
           </a:p>
@@ -1786,7 +4400,7 @@
           <a:p>
             <a:fld id="{C4BDA1B5-B47C-4A0E-AC7D-24948CCE723B}" type="datetimeFigureOut">
               <a:rPr lang="en-US" smtClean="0"/>
-              <a:t>5/17/2013</a:t>
+              <a:t>5/18/2013</a:t>
             </a:fld>
             <a:endParaRPr lang="en-US"/>
           </a:p>
@@ -2007,7 +4621,7 @@
           <a:p>
             <a:fld id="{26475001-D82B-40AE-A6E5-3BCFDB7AF867}" type="datetimeFigureOut">
               <a:rPr lang="en-US" smtClean="0"/>
-              <a:t>5/17/2013</a:t>
+              <a:t>5/18/2013</a:t>
             </a:fld>
             <a:endParaRPr lang="en-US"/>
           </a:p>
@@ -2392,7 +5006,7 @@
           <a:p>
             <a:fld id="{C4BDA1B5-B47C-4A0E-AC7D-24948CCE723B}" type="datetimeFigureOut">
               <a:rPr lang="en-US" smtClean="0"/>
-              <a:t>5/17/2013</a:t>
+              <a:t>5/18/2013</a:t>
             </a:fld>
             <a:endParaRPr lang="en-US"/>
           </a:p>
@@ -2825,7 +5439,7 @@
           <a:p>
             <a:fld id="{C4BDA1B5-B47C-4A0E-AC7D-24948CCE723B}" type="datetimeFigureOut">
               <a:rPr lang="en-US" smtClean="0"/>
-              <a:t>5/17/2013</a:t>
+              <a:t>5/18/2013</a:t>
             </a:fld>
             <a:endParaRPr lang="en-US"/>
           </a:p>
@@ -3309,7 +5923,7 @@
           <a:p>
             <a:fld id="{C4BDA1B5-B47C-4A0E-AC7D-24948CCE723B}" type="datetimeFigureOut">
               <a:rPr lang="en-US" smtClean="0"/>
-              <a:t>5/17/2013</a:t>
+              <a:t>5/18/2013</a:t>
             </a:fld>
             <a:endParaRPr lang="en-US"/>
           </a:p>
@@ -3895,7 +6509,7 @@
           <a:p>
             <a:fld id="{C4BDA1B5-B47C-4A0E-AC7D-24948CCE723B}" type="datetimeFigureOut">
               <a:rPr lang="en-US" smtClean="0"/>
-              <a:t>5/17/2013</a:t>
+              <a:t>5/18/2013</a:t>
             </a:fld>
             <a:endParaRPr lang="en-US"/>
           </a:p>
@@ -4223,7 +6837,7 @@
           <a:p>
             <a:fld id="{C4BDA1B5-B47C-4A0E-AC7D-24948CCE723B}" type="datetimeFigureOut">
               <a:rPr lang="en-US" smtClean="0"/>
-              <a:t>5/17/2013</a:t>
+              <a:t>5/18/2013</a:t>
             </a:fld>
             <a:endParaRPr lang="en-US"/>
           </a:p>
@@ -4472,7 +7086,7 @@
           <a:p>
             <a:fld id="{C4BDA1B5-B47C-4A0E-AC7D-24948CCE723B}" type="datetimeFigureOut">
               <a:rPr lang="en-US" smtClean="0"/>
-              <a:t>5/17/2013</a:t>
+              <a:t>5/18/2013</a:t>
             </a:fld>
             <a:endParaRPr lang="en-US"/>
           </a:p>
@@ -4975,7 +7589,7 @@
           <a:p>
             <a:fld id="{C4BDA1B5-B47C-4A0E-AC7D-24948CCE723B}" type="datetimeFigureOut">
               <a:rPr lang="en-US" smtClean="0"/>
-              <a:t>5/17/2013</a:t>
+              <a:t>5/18/2013</a:t>
             </a:fld>
             <a:endParaRPr lang="en-US"/>
           </a:p>
@@ -5426,7 +8040,7 @@
           <a:p>
             <a:fld id="{C4BDA1B5-B47C-4A0E-AC7D-24948CCE723B}" type="datetimeFigureOut">
               <a:rPr lang="en-US" smtClean="0"/>
-              <a:t>5/17/2013</a:t>
+              <a:t>5/18/2013</a:t>
             </a:fld>
             <a:endParaRPr lang="en-US"/>
           </a:p>
@@ -5828,7 +8442,7 @@
           <a:p>
             <a:fld id="{C4BDA1B5-B47C-4A0E-AC7D-24948CCE723B}" type="datetimeFigureOut">
               <a:rPr lang="en-US" smtClean="0"/>
-              <a:t>5/17/2013</a:t>
+              <a:t>5/18/2013</a:t>
             </a:fld>
             <a:endParaRPr lang="en-US"/>
           </a:p>
@@ -6575,7 +9189,7 @@
           <p:nvPr/>
         </p:nvPicPr>
         <p:blipFill>
-          <a:blip r:embed="rId2">
+          <a:blip r:embed="rId3">
             <a:extLst>
               <a:ext uri="{28A0092B-C50C-407E-A947-70E740481C1C}">
                 <a14:useLocalDpi xmlns:a14="http://schemas.microsoft.com/office/drawing/2010/main" val="0"/>
@@ -6626,6 +9240,13 @@
   <p:clrMapOvr>
     <a:masterClrMapping/>
   </p:clrMapOvr>
+  <p:timing>
+    <p:tnLst>
+      <p:par>
+        <p:cTn id="1" dur="indefinite" restart="never" nodeType="tmRoot"/>
+      </p:par>
+    </p:tnLst>
+  </p:timing>
 </p:sld>
 </file>
 
@@ -6684,7 +9305,7 @@
           <p:nvPr/>
         </p:nvPicPr>
         <p:blipFill>
-          <a:blip r:embed="rId2">
+          <a:blip r:embed="rId3">
             <a:extLst>
               <a:ext uri="{28A0092B-C50C-407E-A947-70E740481C1C}">
                 <a14:useLocalDpi xmlns:a14="http://schemas.microsoft.com/office/drawing/2010/main" val="0"/>
@@ -6768,7 +9389,7 @@
           <a:p>
             <a:r>
               <a:rPr lang="en-US" dirty="0">
-                <a:hlinkClick r:id="rId3"/>
+                <a:hlinkClick r:id="rId4"/>
               </a:rPr>
               <a:t>http://www.youtube.com/watch?v=RUAPf_ccobc</a:t>
             </a:r>
@@ -6786,6 +9407,13 @@
   <p:clrMapOvr>
     <a:masterClrMapping/>
   </p:clrMapOvr>
+  <p:timing>
+    <p:tnLst>
+      <p:par>
+        <p:cTn id="1" dur="indefinite" restart="never" nodeType="tmRoot"/>
+      </p:par>
+    </p:tnLst>
+  </p:timing>
 </p:sld>
 </file>
 
@@ -6839,7 +9467,7 @@
           <p:nvPr/>
         </p:nvPicPr>
         <p:blipFill>
-          <a:blip r:embed="rId2">
+          <a:blip r:embed="rId3">
             <a:extLst>
               <a:ext uri="{28A0092B-C50C-407E-A947-70E740481C1C}">
                 <a14:useLocalDpi xmlns:a14="http://schemas.microsoft.com/office/drawing/2010/main" val="0"/>
@@ -6910,6 +9538,13 @@
   <p:clrMapOvr>
     <a:masterClrMapping/>
   </p:clrMapOvr>
+  <p:timing>
+    <p:tnLst>
+      <p:par>
+        <p:cTn id="1" dur="indefinite" restart="never" nodeType="tmRoot"/>
+      </p:par>
+    </p:tnLst>
+  </p:timing>
 </p:sld>
 </file>
 
@@ -6983,6 +9618,13 @@
   <p:clrMapOvr>
     <a:masterClrMapping/>
   </p:clrMapOvr>
+  <p:timing>
+    <p:tnLst>
+      <p:par>
+        <p:cTn id="1" dur="indefinite" restart="never" nodeType="tmRoot"/>
+      </p:par>
+    </p:tnLst>
+  </p:timing>
 </p:sld>
 </file>
 
@@ -7034,7 +9676,7 @@
           <p:nvPr/>
         </p:nvPicPr>
         <p:blipFill>
-          <a:blip r:embed="rId2">
+          <a:blip r:embed="rId3">
             <a:extLst>
               <a:ext uri="{28A0092B-C50C-407E-A947-70E740481C1C}">
                 <a14:useLocalDpi xmlns:a14="http://schemas.microsoft.com/office/drawing/2010/main" val="0"/>
@@ -7113,7 +9755,7 @@
           <p:nvPr/>
         </p:nvPicPr>
         <p:blipFill>
-          <a:blip r:embed="rId3">
+          <a:blip r:embed="rId4">
             <a:extLst>
               <a:ext uri="{28A0092B-C50C-407E-A947-70E740481C1C}">
                 <a14:useLocalDpi xmlns:a14="http://schemas.microsoft.com/office/drawing/2010/main" val="0"/>
@@ -7164,6 +9806,13 @@
   <p:clrMapOvr>
     <a:masterClrMapping/>
   </p:clrMapOvr>
+  <p:timing>
+    <p:tnLst>
+      <p:par>
+        <p:cTn id="1" dur="indefinite" restart="never" nodeType="tmRoot"/>
+      </p:par>
+    </p:tnLst>
+  </p:timing>
 </p:sld>
 </file>
 
@@ -7234,7 +9883,7 @@
           <p:nvPr/>
         </p:nvPicPr>
         <p:blipFill>
-          <a:blip r:embed="rId2">
+          <a:blip r:embed="rId3">
             <a:extLst>
               <a:ext uri="{28A0092B-C50C-407E-A947-70E740481C1C}">
                 <a14:useLocalDpi xmlns:a14="http://schemas.microsoft.com/office/drawing/2010/main" val="0"/>
@@ -7284,7 +9933,7 @@
           <p:nvPr/>
         </p:nvPicPr>
         <p:blipFill>
-          <a:blip r:embed="rId3">
+          <a:blip r:embed="rId4">
             <a:extLst>
               <a:ext uri="{28A0092B-C50C-407E-A947-70E740481C1C}">
                 <a14:useLocalDpi xmlns:a14="http://schemas.microsoft.com/office/drawing/2010/main" val="0"/>
@@ -7334,7 +9983,7 @@
           <p:nvPr/>
         </p:nvPicPr>
         <p:blipFill>
-          <a:blip r:embed="rId4">
+          <a:blip r:embed="rId5">
             <a:extLst>
               <a:ext uri="{28A0092B-C50C-407E-A947-70E740481C1C}">
                 <a14:useLocalDpi xmlns:a14="http://schemas.microsoft.com/office/drawing/2010/main" val="0"/>
@@ -7422,6 +10071,13 @@
   <p:clrMapOvr>
     <a:masterClrMapping/>
   </p:clrMapOvr>
+  <p:timing>
+    <p:tnLst>
+      <p:par>
+        <p:cTn id="1" dur="indefinite" restart="never" nodeType="tmRoot"/>
+      </p:par>
+    </p:tnLst>
+  </p:timing>
 </p:sld>
 </file>
 
@@ -7494,7 +10150,7 @@
           <p:nvPr/>
         </p:nvPicPr>
         <p:blipFill>
-          <a:blip r:embed="rId2">
+          <a:blip r:embed="rId3">
             <a:extLst>
               <a:ext uri="{28A0092B-C50C-407E-A947-70E740481C1C}">
                 <a14:useLocalDpi xmlns:a14="http://schemas.microsoft.com/office/drawing/2010/main" val="0"/>
@@ -7574,6 +10230,13 @@
   <p:clrMapOvr>
     <a:masterClrMapping/>
   </p:clrMapOvr>
+  <p:timing>
+    <p:tnLst>
+      <p:par>
+        <p:cTn id="1" dur="indefinite" restart="never" nodeType="tmRoot"/>
+      </p:par>
+    </p:tnLst>
+  </p:timing>
 </p:sld>
 </file>
 
@@ -7646,7 +10309,7 @@
           <p:nvPr/>
         </p:nvPicPr>
         <p:blipFill>
-          <a:blip r:embed="rId2">
+          <a:blip r:embed="rId3">
             <a:extLst>
               <a:ext uri="{28A0092B-C50C-407E-A947-70E740481C1C}">
                 <a14:useLocalDpi xmlns:a14="http://schemas.microsoft.com/office/drawing/2010/main" val="0"/>
@@ -7726,6 +10389,13 @@
   <p:clrMapOvr>
     <a:masterClrMapping/>
   </p:clrMapOvr>
+  <p:timing>
+    <p:tnLst>
+      <p:par>
+        <p:cTn id="1" dur="indefinite" restart="never" nodeType="tmRoot"/>
+      </p:par>
+    </p:tnLst>
+  </p:timing>
 </p:sld>
 </file>
 
@@ -7798,7 +10468,7 @@
           <p:nvPr/>
         </p:nvPicPr>
         <p:blipFill>
-          <a:blip r:embed="rId2">
+          <a:blip r:embed="rId3">
             <a:extLst>
               <a:ext uri="{28A0092B-C50C-407E-A947-70E740481C1C}">
                 <a14:useLocalDpi xmlns:a14="http://schemas.microsoft.com/office/drawing/2010/main" val="0"/>
@@ -7886,6 +10556,13 @@
   <p:clrMapOvr>
     <a:masterClrMapping/>
   </p:clrMapOvr>
+  <p:timing>
+    <p:tnLst>
+      <p:par>
+        <p:cTn id="1" dur="indefinite" restart="never" nodeType="tmRoot"/>
+      </p:par>
+    </p:tnLst>
+  </p:timing>
 </p:sld>
 </file>
 
@@ -7956,7 +10633,7 @@
           <p:nvPr/>
         </p:nvPicPr>
         <p:blipFill>
-          <a:blip r:embed="rId2">
+          <a:blip r:embed="rId3">
             <a:extLst>
               <a:ext uri="{28A0092B-C50C-407E-A947-70E740481C1C}">
                 <a14:useLocalDpi xmlns:a14="http://schemas.microsoft.com/office/drawing/2010/main" val="0"/>
@@ -8036,6 +10713,13 @@
   <p:clrMapOvr>
     <a:masterClrMapping/>
   </p:clrMapOvr>
+  <p:timing>
+    <p:tnLst>
+      <p:par>
+        <p:cTn id="1" dur="indefinite" restart="never" nodeType="tmRoot"/>
+      </p:par>
+    </p:tnLst>
+  </p:timing>
 </p:sld>
 </file>
 
@@ -8107,7 +10791,7 @@
           <p:nvPr/>
         </p:nvPicPr>
         <p:blipFill>
-          <a:blip r:embed="rId2">
+          <a:blip r:embed="rId3">
             <a:extLst>
               <a:ext uri="{28A0092B-C50C-407E-A947-70E740481C1C}">
                 <a14:useLocalDpi xmlns:a14="http://schemas.microsoft.com/office/drawing/2010/main" val="0"/>
@@ -8158,6 +10842,13 @@
   <p:clrMapOvr>
     <a:masterClrMapping/>
   </p:clrMapOvr>
+  <p:timing>
+    <p:tnLst>
+      <p:par>
+        <p:cTn id="1" dur="indefinite" restart="never" nodeType="tmRoot"/>
+      </p:par>
+    </p:tnLst>
+  </p:timing>
 </p:sld>
 </file>
 
@@ -8230,7 +10921,7 @@
           <p:nvPr/>
         </p:nvPicPr>
         <p:blipFill>
-          <a:blip r:embed="rId2">
+          <a:blip r:embed="rId3">
             <a:extLst>
               <a:ext uri="{28A0092B-C50C-407E-A947-70E740481C1C}">
                 <a14:useLocalDpi xmlns:a14="http://schemas.microsoft.com/office/drawing/2010/main" val="0"/>
@@ -8281,6 +10972,13 @@
   <p:clrMapOvr>
     <a:masterClrMapping/>
   </p:clrMapOvr>
+  <p:timing>
+    <p:tnLst>
+      <p:par>
+        <p:cTn id="1" dur="indefinite" restart="never" nodeType="tmRoot"/>
+      </p:par>
+    </p:tnLst>
+  </p:timing>
 </p:sld>
 </file>
 
@@ -8351,7 +11049,7 @@
           <p:nvPr/>
         </p:nvPicPr>
         <p:blipFill>
-          <a:blip r:embed="rId2">
+          <a:blip r:embed="rId3">
             <a:extLst>
               <a:ext uri="{28A0092B-C50C-407E-A947-70E740481C1C}">
                 <a14:useLocalDpi xmlns:a14="http://schemas.microsoft.com/office/drawing/2010/main" val="0"/>
@@ -8431,6 +11129,13 @@
   <p:clrMapOvr>
     <a:masterClrMapping/>
   </p:clrMapOvr>
+  <p:timing>
+    <p:tnLst>
+      <p:par>
+        <p:cTn id="1" dur="indefinite" restart="never" nodeType="tmRoot"/>
+      </p:par>
+    </p:tnLst>
+  </p:timing>
 </p:sld>
 </file>
 
@@ -8511,7 +11216,7 @@
           <p:nvPr/>
         </p:nvPicPr>
         <p:blipFill>
-          <a:blip r:embed="rId2">
+          <a:blip r:embed="rId3">
             <a:extLst>
               <a:ext uri="{28A0092B-C50C-407E-A947-70E740481C1C}">
                 <a14:useLocalDpi xmlns:a14="http://schemas.microsoft.com/office/drawing/2010/main" val="0"/>
@@ -8591,6 +11296,13 @@
   <p:clrMapOvr>
     <a:masterClrMapping/>
   </p:clrMapOvr>
+  <p:timing>
+    <p:tnLst>
+      <p:par>
+        <p:cTn id="1" dur="indefinite" restart="never" nodeType="tmRoot"/>
+      </p:par>
+    </p:tnLst>
+  </p:timing>
 </p:sld>
 </file>
 
@@ -8661,7 +11373,7 @@
           <p:nvPr/>
         </p:nvPicPr>
         <p:blipFill>
-          <a:blip r:embed="rId2">
+          <a:blip r:embed="rId3">
             <a:extLst>
               <a:ext uri="{28A0092B-C50C-407E-A947-70E740481C1C}">
                 <a14:useLocalDpi xmlns:a14="http://schemas.microsoft.com/office/drawing/2010/main" val="0"/>
@@ -8749,6 +11461,13 @@
   <p:clrMapOvr>
     <a:masterClrMapping/>
   </p:clrMapOvr>
+  <p:timing>
+    <p:tnLst>
+      <p:par>
+        <p:cTn id="1" dur="indefinite" restart="never" nodeType="tmRoot"/>
+      </p:par>
+    </p:tnLst>
+  </p:timing>
 </p:sld>
 </file>
 
@@ -8819,7 +11538,7 @@
           <p:nvPr/>
         </p:nvPicPr>
         <p:blipFill>
-          <a:blip r:embed="rId2">
+          <a:blip r:embed="rId3">
             <a:extLst>
               <a:ext uri="{28A0092B-C50C-407E-A947-70E740481C1C}">
                 <a14:useLocalDpi xmlns:a14="http://schemas.microsoft.com/office/drawing/2010/main" val="0"/>
@@ -8899,6 +11618,13 @@
   <p:clrMapOvr>
     <a:masterClrMapping/>
   </p:clrMapOvr>
+  <p:timing>
+    <p:tnLst>
+      <p:par>
+        <p:cTn id="1" dur="indefinite" restart="never" nodeType="tmRoot"/>
+      </p:par>
+    </p:tnLst>
+  </p:timing>
 </p:sld>
 </file>
 
@@ -8969,7 +11695,7 @@
           <p:nvPr/>
         </p:nvPicPr>
         <p:blipFill>
-          <a:blip r:embed="rId2">
+          <a:blip r:embed="rId3">
             <a:extLst>
               <a:ext uri="{28A0092B-C50C-407E-A947-70E740481C1C}">
                 <a14:useLocalDpi xmlns:a14="http://schemas.microsoft.com/office/drawing/2010/main" val="0"/>
@@ -9019,7 +11745,7 @@
           <p:nvPr/>
         </p:nvPicPr>
         <p:blipFill>
-          <a:blip r:embed="rId3">
+          <a:blip r:embed="rId4">
             <a:extLst>
               <a:ext uri="{28A0092B-C50C-407E-A947-70E740481C1C}">
                 <a14:useLocalDpi xmlns:a14="http://schemas.microsoft.com/office/drawing/2010/main" val="0"/>
@@ -9069,7 +11795,7 @@
           <p:nvPr/>
         </p:nvPicPr>
         <p:blipFill>
-          <a:blip r:embed="rId4">
+          <a:blip r:embed="rId5">
             <a:extLst>
               <a:ext uri="{28A0092B-C50C-407E-A947-70E740481C1C}">
                 <a14:useLocalDpi xmlns:a14="http://schemas.microsoft.com/office/drawing/2010/main" val="0"/>
@@ -9157,6 +11883,13 @@
   <p:clrMapOvr>
     <a:masterClrMapping/>
   </p:clrMapOvr>
+  <p:timing>
+    <p:tnLst>
+      <p:par>
+        <p:cTn id="1" dur="indefinite" restart="never" nodeType="tmRoot"/>
+      </p:par>
+    </p:tnLst>
+  </p:timing>
 </p:sld>
 </file>
 
@@ -9267,6 +12000,13 @@
   <p:clrMapOvr>
     <a:masterClrMapping/>
   </p:clrMapOvr>
+  <p:timing>
+    <p:tnLst>
+      <p:par>
+        <p:cTn id="1" dur="indefinite" restart="never" nodeType="tmRoot"/>
+      </p:par>
+    </p:tnLst>
+  </p:timing>
 </p:sld>
 </file>
 
@@ -9321,7 +12061,7 @@
           <p:nvPr/>
         </p:nvPicPr>
         <p:blipFill>
-          <a:blip r:embed="rId2">
+          <a:blip r:embed="rId3">
             <a:extLst>
               <a:ext uri="{28A0092B-C50C-407E-A947-70E740481C1C}">
                 <a14:useLocalDpi xmlns:a14="http://schemas.microsoft.com/office/drawing/2010/main" val="0"/>
@@ -9461,7 +12201,7 @@
           <p:nvPr/>
         </p:nvPicPr>
         <p:blipFill>
-          <a:blip r:embed="rId2">
+          <a:blip r:embed="rId3">
             <a:extLst>
               <a:ext uri="{28A0092B-C50C-407E-A947-70E740481C1C}">
                 <a14:useLocalDpi xmlns:a14="http://schemas.microsoft.com/office/drawing/2010/main" val="0"/>
@@ -9549,6 +12289,13 @@
   <p:clrMapOvr>
     <a:masterClrMapping/>
   </p:clrMapOvr>
+  <p:timing>
+    <p:tnLst>
+      <p:par>
+        <p:cTn id="1" dur="indefinite" restart="never" nodeType="tmRoot"/>
+      </p:par>
+    </p:tnLst>
+  </p:timing>
 </p:sld>
 </file>
 
@@ -9602,7 +12349,7 @@
           <p:nvPr/>
         </p:nvPicPr>
         <p:blipFill>
-          <a:blip r:embed="rId2">
+          <a:blip r:embed="rId3">
             <a:extLst>
               <a:ext uri="{28A0092B-C50C-407E-A947-70E740481C1C}">
                 <a14:useLocalDpi xmlns:a14="http://schemas.microsoft.com/office/drawing/2010/main" val="0"/>
@@ -9652,7 +12399,7 @@
           <p:nvPr/>
         </p:nvPicPr>
         <p:blipFill>
-          <a:blip r:embed="rId3">
+          <a:blip r:embed="rId4">
             <a:extLst>
               <a:ext uri="{28A0092B-C50C-407E-A947-70E740481C1C}">
                 <a14:useLocalDpi xmlns:a14="http://schemas.microsoft.com/office/drawing/2010/main" val="0"/>
@@ -9732,6 +12479,13 @@
   <p:clrMapOvr>
     <a:masterClrMapping/>
   </p:clrMapOvr>
+  <p:timing>
+    <p:tnLst>
+      <p:par>
+        <p:cTn id="1" dur="indefinite" restart="never" nodeType="tmRoot"/>
+      </p:par>
+    </p:tnLst>
+  </p:timing>
 </p:sld>
 </file>
 
@@ -9785,7 +12539,7 @@
           <p:nvPr/>
         </p:nvPicPr>
         <p:blipFill>
-          <a:blip r:embed="rId2">
+          <a:blip r:embed="rId3">
             <a:extLst>
               <a:ext uri="{28A0092B-C50C-407E-A947-70E740481C1C}">
                 <a14:useLocalDpi xmlns:a14="http://schemas.microsoft.com/office/drawing/2010/main" val="0"/>
@@ -9865,6 +12619,13 @@
   <p:clrMapOvr>
     <a:masterClrMapping/>
   </p:clrMapOvr>
+  <p:timing>
+    <p:tnLst>
+      <p:par>
+        <p:cTn id="1" dur="indefinite" restart="never" nodeType="tmRoot"/>
+      </p:par>
+    </p:tnLst>
+  </p:timing>
 </p:sld>
 </file>
 
@@ -9918,7 +12679,7 @@
           <p:nvPr/>
         </p:nvPicPr>
         <p:blipFill>
-          <a:blip r:embed="rId2">
+          <a:blip r:embed="rId3">
             <a:extLst>
               <a:ext uri="{28A0092B-C50C-407E-A947-70E740481C1C}">
                 <a14:useLocalDpi xmlns:a14="http://schemas.microsoft.com/office/drawing/2010/main" val="0"/>
@@ -9998,6 +12759,13 @@
   <p:clrMapOvr>
     <a:masterClrMapping/>
   </p:clrMapOvr>
+  <p:timing>
+    <p:tnLst>
+      <p:par>
+        <p:cTn id="1" dur="indefinite" restart="never" nodeType="tmRoot"/>
+      </p:par>
+    </p:tnLst>
+  </p:timing>
 </p:sld>
 </file>
 
@@ -10068,7 +12836,7 @@
           <p:nvPr/>
         </p:nvPicPr>
         <p:blipFill>
-          <a:blip r:embed="rId2">
+          <a:blip r:embed="rId3">
             <a:extLst>
               <a:ext uri="{28A0092B-C50C-407E-A947-70E740481C1C}">
                 <a14:useLocalDpi xmlns:a14="http://schemas.microsoft.com/office/drawing/2010/main" val="0"/>
@@ -10119,6 +12887,13 @@
   <p:clrMapOvr>
     <a:masterClrMapping/>
   </p:clrMapOvr>
+  <p:timing>
+    <p:tnLst>
+      <p:par>
+        <p:cTn id="1" dur="indefinite" restart="never" nodeType="tmRoot"/>
+      </p:par>
+    </p:tnLst>
+  </p:timing>
 </p:sld>
 </file>
 
@@ -10190,7 +12965,7 @@
           <p:nvPr/>
         </p:nvPicPr>
         <p:blipFill>
-          <a:blip r:embed="rId2">
+          <a:blip r:embed="rId3">
             <a:extLst>
               <a:ext uri="{28A0092B-C50C-407E-A947-70E740481C1C}">
                 <a14:useLocalDpi xmlns:a14="http://schemas.microsoft.com/office/drawing/2010/main" val="0"/>
@@ -10241,6 +13016,13 @@
   <p:clrMapOvr>
     <a:masterClrMapping/>
   </p:clrMapOvr>
+  <p:timing>
+    <p:tnLst>
+      <p:par>
+        <p:cTn id="1" dur="indefinite" restart="never" nodeType="tmRoot"/>
+      </p:par>
+    </p:tnLst>
+  </p:timing>
 </p:sld>
 </file>
 
